--- a/Toronto_workshop/short_research_demo.pptx
+++ b/Toronto_workshop/short_research_demo.pptx
@@ -2,21 +2,18 @@
 <file path=ppt/presentation.xml><?xml version="1.0" encoding="utf-8"?>
 <p:presentation xmlns:a="http://schemas.openxmlformats.org/drawingml/2006/main" xmlns:r="http://schemas.openxmlformats.org/officeDocument/2006/relationships" xmlns:p="http://schemas.openxmlformats.org/presentationml/2006/main" saveSubsetFonts="1">
   <p:sldMasterIdLst>
-    <p:sldMasterId id="2147483648" r:id="rId1"/>
-    <p:sldMasterId id="2147483660" r:id="rId2"/>
+    <p:sldMasterId id="2147483660" r:id="rId1"/>
   </p:sldMasterIdLst>
   <p:sldIdLst>
-    <p:sldId id="256" r:id="rId3"/>
-    <p:sldId id="257" r:id="rId4"/>
-    <p:sldId id="258" r:id="rId5"/>
-    <p:sldId id="266" r:id="rId6"/>
-    <p:sldId id="264" r:id="rId7"/>
-    <p:sldId id="267" r:id="rId8"/>
-    <p:sldId id="263" r:id="rId9"/>
-    <p:sldId id="259" r:id="rId10"/>
-    <p:sldId id="260" r:id="rId11"/>
-    <p:sldId id="261" r:id="rId12"/>
-    <p:sldId id="262" r:id="rId13"/>
+    <p:sldId id="257" r:id="rId2"/>
+    <p:sldId id="258" r:id="rId3"/>
+    <p:sldId id="266" r:id="rId4"/>
+    <p:sldId id="264" r:id="rId5"/>
+    <p:sldId id="267" r:id="rId6"/>
+    <p:sldId id="263" r:id="rId7"/>
+    <p:sldId id="260" r:id="rId8"/>
+    <p:sldId id="261" r:id="rId9"/>
+    <p:sldId id="262" r:id="rId10"/>
   </p:sldIdLst>
   <p:sldSz cx="12192000" cy="6858000"/>
   <p:notesSz cx="6858000" cy="9144000"/>
@@ -115,6 +112,11 @@
       </a:defRPr>
     </a:lvl9pPr>
   </p:defaultTextStyle>
+  <p:extLst>
+    <p:ext uri="{EFAFB233-063F-42B5-8137-9DF3F51BA10A}">
+      <p15:sldGuideLst xmlns:p15="http://schemas.microsoft.com/office/powerpoint/2012/main"/>
+    </p:ext>
+  </p:extLst>
 </p:presentation>
 </file>
 
@@ -147,23 +149,28 @@
         </p:nvSpPr>
         <p:spPr>
           <a:xfrm>
-            <a:off x="1524000" y="1122363"/>
-            <a:ext cx="9144000" cy="2387600"/>
+            <a:off x="914400" y="609601"/>
+            <a:ext cx="10363200" cy="4267200"/>
           </a:xfrm>
         </p:spPr>
         <p:txBody>
-          <a:bodyPr anchor="b"/>
+          <a:bodyPr anchor="b">
+            <a:noAutofit/>
+          </a:bodyPr>
           <a:lstStyle>
-            <a:lvl1pPr algn="ctr">
-              <a:defRPr sz="6000"/>
+            <a:lvl1pPr>
+              <a:lnSpc>
+                <a:spcPct val="100000"/>
+              </a:lnSpc>
+              <a:defRPr sz="8000"/>
             </a:lvl1pPr>
           </a:lstStyle>
           <a:p>
             <a:r>
-              <a:rPr lang="en-US" smtClean="0"/>
+              <a:rPr lang="en-US" dirty="0" smtClean="0"/>
               <a:t>Click to edit Master title style</a:t>
             </a:r>
-            <a:endParaRPr lang="en-US"/>
+            <a:endParaRPr lang="en-US" dirty="0"/>
           </a:p>
         </p:txBody>
       </p:sp>
@@ -179,62 +186,119 @@
         </p:nvSpPr>
         <p:spPr>
           <a:xfrm>
-            <a:off x="1524000" y="3602038"/>
-            <a:ext cx="9144000" cy="1655762"/>
+            <a:off x="1828800" y="4953000"/>
+            <a:ext cx="8534400" cy="1219200"/>
           </a:xfrm>
         </p:spPr>
         <p:txBody>
-          <a:bodyPr/>
+          <a:bodyPr>
+            <a:normAutofit/>
+          </a:bodyPr>
           <a:lstStyle>
             <a:lvl1pPr marL="0" indent="0" algn="ctr">
               <a:buNone/>
-              <a:defRPr sz="2400"/>
+              <a:defRPr sz="2400">
+                <a:solidFill>
+                  <a:schemeClr val="tx1">
+                    <a:lumMod val="65000"/>
+                    <a:lumOff val="35000"/>
+                  </a:schemeClr>
+                </a:solidFill>
+              </a:defRPr>
             </a:lvl1pPr>
             <a:lvl2pPr marL="457200" indent="0" algn="ctr">
               <a:buNone/>
-              <a:defRPr sz="2000"/>
+              <a:defRPr>
+                <a:solidFill>
+                  <a:schemeClr val="tx1">
+                    <a:tint val="75000"/>
+                  </a:schemeClr>
+                </a:solidFill>
+              </a:defRPr>
             </a:lvl2pPr>
             <a:lvl3pPr marL="914400" indent="0" algn="ctr">
               <a:buNone/>
-              <a:defRPr sz="1800"/>
+              <a:defRPr>
+                <a:solidFill>
+                  <a:schemeClr val="tx1">
+                    <a:tint val="75000"/>
+                  </a:schemeClr>
+                </a:solidFill>
+              </a:defRPr>
             </a:lvl3pPr>
             <a:lvl4pPr marL="1371600" indent="0" algn="ctr">
               <a:buNone/>
-              <a:defRPr sz="1600"/>
+              <a:defRPr>
+                <a:solidFill>
+                  <a:schemeClr val="tx1">
+                    <a:tint val="75000"/>
+                  </a:schemeClr>
+                </a:solidFill>
+              </a:defRPr>
             </a:lvl4pPr>
             <a:lvl5pPr marL="1828800" indent="0" algn="ctr">
               <a:buNone/>
-              <a:defRPr sz="1600"/>
+              <a:defRPr>
+                <a:solidFill>
+                  <a:schemeClr val="tx1">
+                    <a:tint val="75000"/>
+                  </a:schemeClr>
+                </a:solidFill>
+              </a:defRPr>
             </a:lvl5pPr>
             <a:lvl6pPr marL="2286000" indent="0" algn="ctr">
               <a:buNone/>
-              <a:defRPr sz="1600"/>
+              <a:defRPr>
+                <a:solidFill>
+                  <a:schemeClr val="tx1">
+                    <a:tint val="75000"/>
+                  </a:schemeClr>
+                </a:solidFill>
+              </a:defRPr>
             </a:lvl6pPr>
             <a:lvl7pPr marL="2743200" indent="0" algn="ctr">
               <a:buNone/>
-              <a:defRPr sz="1600"/>
+              <a:defRPr>
+                <a:solidFill>
+                  <a:schemeClr val="tx1">
+                    <a:tint val="75000"/>
+                  </a:schemeClr>
+                </a:solidFill>
+              </a:defRPr>
             </a:lvl7pPr>
             <a:lvl8pPr marL="3200400" indent="0" algn="ctr">
               <a:buNone/>
-              <a:defRPr sz="1600"/>
+              <a:defRPr>
+                <a:solidFill>
+                  <a:schemeClr val="tx1">
+                    <a:tint val="75000"/>
+                  </a:schemeClr>
+                </a:solidFill>
+              </a:defRPr>
             </a:lvl8pPr>
             <a:lvl9pPr marL="3657600" indent="0" algn="ctr">
               <a:buNone/>
-              <a:defRPr sz="1600"/>
+              <a:defRPr>
+                <a:solidFill>
+                  <a:schemeClr val="tx1">
+                    <a:tint val="75000"/>
+                  </a:schemeClr>
+                </a:solidFill>
+              </a:defRPr>
             </a:lvl9pPr>
           </a:lstStyle>
           <a:p>
             <a:r>
-              <a:rPr lang="en-US" smtClean="0"/>
+              <a:rPr lang="en-US" dirty="0" smtClean="0"/>
               <a:t>Click to edit Master subtitle style</a:t>
             </a:r>
-            <a:endParaRPr lang="en-US"/>
-          </a:p>
-        </p:txBody>
-      </p:sp>
-      <p:sp>
-        <p:nvSpPr>
-          <p:cNvPr id="4" name="Date Placeholder 3"/>
+            <a:endParaRPr lang="en-US" dirty="0"/>
+          </a:p>
+        </p:txBody>
+      </p:sp>
+      <p:sp>
+        <p:nvSpPr>
+          <p:cNvPr id="7" name="Date Placeholder 6"/>
           <p:cNvSpPr>
             <a:spLocks noGrp="1"/>
           </p:cNvSpPr>
@@ -247,22 +311,37 @@
           <a:bodyPr/>
           <a:lstStyle/>
           <a:p>
-            <a:fld id="{D8ED4A12-CF3C-4919-955A-96A1B04E756E}" type="datetimeFigureOut">
-              <a:rPr lang="en-US" smtClean="0"/>
+            <a:fld id="{5DBDA2D4-AB79-4DBE-BB42-0FB1B4029714}" type="datetimeFigureOut">
+              <a:rPr lang="en-US" smtClean="0">
+                <a:solidFill>
+                  <a:prstClr val="black">
+                    <a:lumMod val="65000"/>
+                    <a:lumOff val="35000"/>
+                  </a:prstClr>
+                </a:solidFill>
+              </a:rPr>
+              <a:pPr/>
               <a:t>10/4/2016</a:t>
             </a:fld>
-            <a:endParaRPr lang="en-US"/>
-          </a:p>
-        </p:txBody>
-      </p:sp>
-      <p:sp>
-        <p:nvSpPr>
-          <p:cNvPr id="5" name="Footer Placeholder 4"/>
-          <p:cNvSpPr>
-            <a:spLocks noGrp="1"/>
-          </p:cNvSpPr>
-          <p:nvPr>
-            <p:ph type="ftr" sz="quarter" idx="11"/>
+            <a:endParaRPr lang="en-US">
+              <a:solidFill>
+                <a:prstClr val="black">
+                  <a:lumMod val="65000"/>
+                  <a:lumOff val="35000"/>
+                </a:prstClr>
+              </a:solidFill>
+            </a:endParaRPr>
+          </a:p>
+        </p:txBody>
+      </p:sp>
+      <p:sp>
+        <p:nvSpPr>
+          <p:cNvPr id="8" name="Slide Number Placeholder 7"/>
+          <p:cNvSpPr>
+            <a:spLocks noGrp="1"/>
+          </p:cNvSpPr>
+          <p:nvPr>
+            <p:ph type="sldNum" sz="quarter" idx="11"/>
           </p:nvPr>
         </p:nvSpPr>
         <p:spPr/>
@@ -270,43 +349,72 @@
           <a:bodyPr/>
           <a:lstStyle/>
           <a:p>
-            <a:endParaRPr lang="en-US"/>
-          </a:p>
-        </p:txBody>
-      </p:sp>
-      <p:sp>
-        <p:nvSpPr>
-          <p:cNvPr id="6" name="Slide Number Placeholder 5"/>
-          <p:cNvSpPr>
-            <a:spLocks noGrp="1"/>
-          </p:cNvSpPr>
-          <p:nvPr>
-            <p:ph type="sldNum" sz="quarter" idx="12"/>
-          </p:nvPr>
-        </p:nvSpPr>
-        <p:spPr/>
-        <p:txBody>
-          <a:bodyPr/>
-          <a:lstStyle/>
-          <a:p>
-            <a:fld id="{B7B2BFA0-F11E-4E2F-9225-9E644028C5D1}" type="slidenum">
-              <a:rPr lang="en-US" smtClean="0"/>
+            <a:fld id="{DD50E292-CBF6-4C72-AFE7-56CE962DB099}" type="slidenum">
+              <a:rPr lang="en-US" smtClean="0">
+                <a:solidFill>
+                  <a:prstClr val="black">
+                    <a:lumMod val="65000"/>
+                    <a:lumOff val="35000"/>
+                  </a:prstClr>
+                </a:solidFill>
+              </a:rPr>
+              <a:pPr/>
               <a:t>‹#›</a:t>
             </a:fld>
-            <a:endParaRPr lang="en-US"/>
+            <a:endParaRPr lang="en-US">
+              <a:solidFill>
+                <a:prstClr val="black">
+                  <a:lumMod val="65000"/>
+                  <a:lumOff val="35000"/>
+                </a:prstClr>
+              </a:solidFill>
+            </a:endParaRPr>
+          </a:p>
+        </p:txBody>
+      </p:sp>
+      <p:sp>
+        <p:nvSpPr>
+          <p:cNvPr id="9" name="Footer Placeholder 8"/>
+          <p:cNvSpPr>
+            <a:spLocks noGrp="1"/>
+          </p:cNvSpPr>
+          <p:nvPr>
+            <p:ph type="ftr" sz="quarter" idx="12"/>
+          </p:nvPr>
+        </p:nvSpPr>
+        <p:spPr/>
+        <p:txBody>
+          <a:bodyPr/>
+          <a:lstStyle/>
+          <a:p>
+            <a:endParaRPr lang="en-US">
+              <a:solidFill>
+                <a:prstClr val="black">
+                  <a:lumMod val="65000"/>
+                  <a:lumOff val="35000"/>
+                </a:prstClr>
+              </a:solidFill>
+            </a:endParaRPr>
           </a:p>
         </p:txBody>
       </p:sp>
     </p:spTree>
     <p:extLst>
       <p:ext uri="{BB962C8B-B14F-4D97-AF65-F5344CB8AC3E}">
-        <p14:creationId xmlns:p14="http://schemas.microsoft.com/office/powerpoint/2010/main" val="2325117513"/>
+        <p14:creationId xmlns:p14="http://schemas.microsoft.com/office/powerpoint/2010/main" val="864590947"/>
       </p:ext>
     </p:extLst>
   </p:cSld>
   <p:clrMapOvr>
     <a:masterClrMapping/>
   </p:clrMapOvr>
+  <p:timing>
+    <p:tnLst>
+      <p:par>
+        <p:cTn id="1" dur="indefinite" restart="never" nodeType="tmRoot"/>
+      </p:par>
+    </p:tnLst>
+  </p:timing>
 </p:sldLayout>
 </file>
 
@@ -346,7 +454,7 @@
               <a:rPr lang="en-US" smtClean="0"/>
               <a:t>Click to edit Master title style</a:t>
             </a:r>
-            <a:endParaRPr lang="en-US"/>
+            <a:endParaRPr lang="en-US" dirty="0"/>
           </a:p>
         </p:txBody>
       </p:sp>
@@ -417,11 +525,26 @@
           <a:bodyPr/>
           <a:lstStyle/>
           <a:p>
-            <a:fld id="{D8ED4A12-CF3C-4919-955A-96A1B04E756E}" type="datetimeFigureOut">
-              <a:rPr lang="en-US" smtClean="0"/>
+            <a:fld id="{5DBDA2D4-AB79-4DBE-BB42-0FB1B4029714}" type="datetimeFigureOut">
+              <a:rPr lang="en-US" smtClean="0">
+                <a:solidFill>
+                  <a:prstClr val="black">
+                    <a:lumMod val="65000"/>
+                    <a:lumOff val="35000"/>
+                  </a:prstClr>
+                </a:solidFill>
+              </a:rPr>
+              <a:pPr/>
               <a:t>10/4/2016</a:t>
             </a:fld>
-            <a:endParaRPr lang="en-US"/>
+            <a:endParaRPr lang="en-US">
+              <a:solidFill>
+                <a:prstClr val="black">
+                  <a:lumMod val="65000"/>
+                  <a:lumOff val="35000"/>
+                </a:prstClr>
+              </a:solidFill>
+            </a:endParaRPr>
           </a:p>
         </p:txBody>
       </p:sp>
@@ -440,7 +563,14 @@
           <a:bodyPr/>
           <a:lstStyle/>
           <a:p>
-            <a:endParaRPr lang="en-US"/>
+            <a:endParaRPr lang="en-US">
+              <a:solidFill>
+                <a:prstClr val="black">
+                  <a:lumMod val="65000"/>
+                  <a:lumOff val="35000"/>
+                </a:prstClr>
+              </a:solidFill>
+            </a:endParaRPr>
           </a:p>
         </p:txBody>
       </p:sp>
@@ -459,18 +589,33 @@
           <a:bodyPr/>
           <a:lstStyle/>
           <a:p>
-            <a:fld id="{B7B2BFA0-F11E-4E2F-9225-9E644028C5D1}" type="slidenum">
-              <a:rPr lang="en-US" smtClean="0"/>
+            <a:fld id="{DD50E292-CBF6-4C72-AFE7-56CE962DB099}" type="slidenum">
+              <a:rPr lang="en-US" smtClean="0">
+                <a:solidFill>
+                  <a:prstClr val="black">
+                    <a:lumMod val="65000"/>
+                    <a:lumOff val="35000"/>
+                  </a:prstClr>
+                </a:solidFill>
+              </a:rPr>
+              <a:pPr/>
               <a:t>‹#›</a:t>
             </a:fld>
-            <a:endParaRPr lang="en-US"/>
+            <a:endParaRPr lang="en-US">
+              <a:solidFill>
+                <a:prstClr val="black">
+                  <a:lumMod val="65000"/>
+                  <a:lumOff val="35000"/>
+                </a:prstClr>
+              </a:solidFill>
+            </a:endParaRPr>
           </a:p>
         </p:txBody>
       </p:sp>
     </p:spTree>
     <p:extLst>
       <p:ext uri="{BB962C8B-B14F-4D97-AF65-F5344CB8AC3E}">
-        <p14:creationId xmlns:p14="http://schemas.microsoft.com/office/powerpoint/2010/main" val="1475433168"/>
+        <p14:creationId xmlns:p14="http://schemas.microsoft.com/office/powerpoint/2010/main" val="1851446312"/>
       </p:ext>
     </p:extLst>
   </p:cSld>
@@ -509,8 +654,8 @@
         </p:nvSpPr>
         <p:spPr>
           <a:xfrm>
-            <a:off x="8724900" y="365125"/>
-            <a:ext cx="2628900" cy="5811838"/>
+            <a:off x="8839200" y="274639"/>
+            <a:ext cx="2743200" cy="5851525"/>
           </a:xfrm>
         </p:spPr>
         <p:txBody>
@@ -521,7 +666,7 @@
               <a:rPr lang="en-US" smtClean="0"/>
               <a:t>Click to edit Master title style</a:t>
             </a:r>
-            <a:endParaRPr lang="en-US"/>
+            <a:endParaRPr lang="en-US" dirty="0"/>
           </a:p>
         </p:txBody>
       </p:sp>
@@ -537,8 +682,8 @@
         </p:nvSpPr>
         <p:spPr>
           <a:xfrm>
-            <a:off x="838200" y="365125"/>
-            <a:ext cx="7734300" cy="5811838"/>
+            <a:off x="609600" y="274639"/>
+            <a:ext cx="8026400" cy="5851525"/>
           </a:xfrm>
         </p:spPr>
         <p:txBody>
@@ -585,260 +730,6 @@
       <p:sp>
         <p:nvSpPr>
           <p:cNvPr id="4" name="Date Placeholder 3"/>
-          <p:cNvSpPr>
-            <a:spLocks noGrp="1"/>
-          </p:cNvSpPr>
-          <p:nvPr>
-            <p:ph type="dt" sz="half" idx="10"/>
-          </p:nvPr>
-        </p:nvSpPr>
-        <p:spPr/>
-        <p:txBody>
-          <a:bodyPr/>
-          <a:lstStyle/>
-          <a:p>
-            <a:fld id="{D8ED4A12-CF3C-4919-955A-96A1B04E756E}" type="datetimeFigureOut">
-              <a:rPr lang="en-US" smtClean="0"/>
-              <a:t>10/4/2016</a:t>
-            </a:fld>
-            <a:endParaRPr lang="en-US"/>
-          </a:p>
-        </p:txBody>
-      </p:sp>
-      <p:sp>
-        <p:nvSpPr>
-          <p:cNvPr id="5" name="Footer Placeholder 4"/>
-          <p:cNvSpPr>
-            <a:spLocks noGrp="1"/>
-          </p:cNvSpPr>
-          <p:nvPr>
-            <p:ph type="ftr" sz="quarter" idx="11"/>
-          </p:nvPr>
-        </p:nvSpPr>
-        <p:spPr/>
-        <p:txBody>
-          <a:bodyPr/>
-          <a:lstStyle/>
-          <a:p>
-            <a:endParaRPr lang="en-US"/>
-          </a:p>
-        </p:txBody>
-      </p:sp>
-      <p:sp>
-        <p:nvSpPr>
-          <p:cNvPr id="6" name="Slide Number Placeholder 5"/>
-          <p:cNvSpPr>
-            <a:spLocks noGrp="1"/>
-          </p:cNvSpPr>
-          <p:nvPr>
-            <p:ph type="sldNum" sz="quarter" idx="12"/>
-          </p:nvPr>
-        </p:nvSpPr>
-        <p:spPr/>
-        <p:txBody>
-          <a:bodyPr/>
-          <a:lstStyle/>
-          <a:p>
-            <a:fld id="{B7B2BFA0-F11E-4E2F-9225-9E644028C5D1}" type="slidenum">
-              <a:rPr lang="en-US" smtClean="0"/>
-              <a:t>‹#›</a:t>
-            </a:fld>
-            <a:endParaRPr lang="en-US"/>
-          </a:p>
-        </p:txBody>
-      </p:sp>
-    </p:spTree>
-    <p:extLst>
-      <p:ext uri="{BB962C8B-B14F-4D97-AF65-F5344CB8AC3E}">
-        <p14:creationId xmlns:p14="http://schemas.microsoft.com/office/powerpoint/2010/main" val="3060286591"/>
-      </p:ext>
-    </p:extLst>
-  </p:cSld>
-  <p:clrMapOvr>
-    <a:masterClrMapping/>
-  </p:clrMapOvr>
-</p:sldLayout>
-</file>
-
-<file path=ppt/slideLayouts/slideLayout12.xml><?xml version="1.0" encoding="utf-8"?>
-<p:sldLayout xmlns:a="http://schemas.openxmlformats.org/drawingml/2006/main" xmlns:r="http://schemas.openxmlformats.org/officeDocument/2006/relationships" xmlns:p="http://schemas.openxmlformats.org/presentationml/2006/main" type="title" preserve="1">
-  <p:cSld name="Title Slide">
-    <p:spTree>
-      <p:nvGrpSpPr>
-        <p:cNvPr id="1" name=""/>
-        <p:cNvGrpSpPr/>
-        <p:nvPr/>
-      </p:nvGrpSpPr>
-      <p:grpSpPr>
-        <a:xfrm>
-          <a:off x="0" y="0"/>
-          <a:ext cx="0" cy="0"/>
-          <a:chOff x="0" y="0"/>
-          <a:chExt cx="0" cy="0"/>
-        </a:xfrm>
-      </p:grpSpPr>
-      <p:sp>
-        <p:nvSpPr>
-          <p:cNvPr id="2" name="Title 1"/>
-          <p:cNvSpPr>
-            <a:spLocks noGrp="1"/>
-          </p:cNvSpPr>
-          <p:nvPr>
-            <p:ph type="ctrTitle"/>
-          </p:nvPr>
-        </p:nvSpPr>
-        <p:spPr>
-          <a:xfrm>
-            <a:off x="914400" y="609601"/>
-            <a:ext cx="10363200" cy="4267200"/>
-          </a:xfrm>
-        </p:spPr>
-        <p:txBody>
-          <a:bodyPr anchor="b">
-            <a:noAutofit/>
-          </a:bodyPr>
-          <a:lstStyle>
-            <a:lvl1pPr>
-              <a:lnSpc>
-                <a:spcPct val="100000"/>
-              </a:lnSpc>
-              <a:defRPr sz="8000"/>
-            </a:lvl1pPr>
-          </a:lstStyle>
-          <a:p>
-            <a:r>
-              <a:rPr lang="en-US" dirty="0" smtClean="0"/>
-              <a:t>Click to edit Master title style</a:t>
-            </a:r>
-            <a:endParaRPr lang="en-US" dirty="0"/>
-          </a:p>
-        </p:txBody>
-      </p:sp>
-      <p:sp>
-        <p:nvSpPr>
-          <p:cNvPr id="3" name="Subtitle 2"/>
-          <p:cNvSpPr>
-            <a:spLocks noGrp="1"/>
-          </p:cNvSpPr>
-          <p:nvPr>
-            <p:ph type="subTitle" idx="1"/>
-          </p:nvPr>
-        </p:nvSpPr>
-        <p:spPr>
-          <a:xfrm>
-            <a:off x="1828800" y="4953000"/>
-            <a:ext cx="8534400" cy="1219200"/>
-          </a:xfrm>
-        </p:spPr>
-        <p:txBody>
-          <a:bodyPr>
-            <a:normAutofit/>
-          </a:bodyPr>
-          <a:lstStyle>
-            <a:lvl1pPr marL="0" indent="0" algn="ctr">
-              <a:buNone/>
-              <a:defRPr sz="2400">
-                <a:solidFill>
-                  <a:schemeClr val="tx1">
-                    <a:lumMod val="65000"/>
-                    <a:lumOff val="35000"/>
-                  </a:schemeClr>
-                </a:solidFill>
-              </a:defRPr>
-            </a:lvl1pPr>
-            <a:lvl2pPr marL="457200" indent="0" algn="ctr">
-              <a:buNone/>
-              <a:defRPr>
-                <a:solidFill>
-                  <a:schemeClr val="tx1">
-                    <a:tint val="75000"/>
-                  </a:schemeClr>
-                </a:solidFill>
-              </a:defRPr>
-            </a:lvl2pPr>
-            <a:lvl3pPr marL="914400" indent="0" algn="ctr">
-              <a:buNone/>
-              <a:defRPr>
-                <a:solidFill>
-                  <a:schemeClr val="tx1">
-                    <a:tint val="75000"/>
-                  </a:schemeClr>
-                </a:solidFill>
-              </a:defRPr>
-            </a:lvl3pPr>
-            <a:lvl4pPr marL="1371600" indent="0" algn="ctr">
-              <a:buNone/>
-              <a:defRPr>
-                <a:solidFill>
-                  <a:schemeClr val="tx1">
-                    <a:tint val="75000"/>
-                  </a:schemeClr>
-                </a:solidFill>
-              </a:defRPr>
-            </a:lvl4pPr>
-            <a:lvl5pPr marL="1828800" indent="0" algn="ctr">
-              <a:buNone/>
-              <a:defRPr>
-                <a:solidFill>
-                  <a:schemeClr val="tx1">
-                    <a:tint val="75000"/>
-                  </a:schemeClr>
-                </a:solidFill>
-              </a:defRPr>
-            </a:lvl5pPr>
-            <a:lvl6pPr marL="2286000" indent="0" algn="ctr">
-              <a:buNone/>
-              <a:defRPr>
-                <a:solidFill>
-                  <a:schemeClr val="tx1">
-                    <a:tint val="75000"/>
-                  </a:schemeClr>
-                </a:solidFill>
-              </a:defRPr>
-            </a:lvl6pPr>
-            <a:lvl7pPr marL="2743200" indent="0" algn="ctr">
-              <a:buNone/>
-              <a:defRPr>
-                <a:solidFill>
-                  <a:schemeClr val="tx1">
-                    <a:tint val="75000"/>
-                  </a:schemeClr>
-                </a:solidFill>
-              </a:defRPr>
-            </a:lvl7pPr>
-            <a:lvl8pPr marL="3200400" indent="0" algn="ctr">
-              <a:buNone/>
-              <a:defRPr>
-                <a:solidFill>
-                  <a:schemeClr val="tx1">
-                    <a:tint val="75000"/>
-                  </a:schemeClr>
-                </a:solidFill>
-              </a:defRPr>
-            </a:lvl8pPr>
-            <a:lvl9pPr marL="3657600" indent="0" algn="ctr">
-              <a:buNone/>
-              <a:defRPr>
-                <a:solidFill>
-                  <a:schemeClr val="tx1">
-                    <a:tint val="75000"/>
-                  </a:schemeClr>
-                </a:solidFill>
-              </a:defRPr>
-            </a:lvl9pPr>
-          </a:lstStyle>
-          <a:p>
-            <a:r>
-              <a:rPr lang="en-US" dirty="0" smtClean="0"/>
-              <a:t>Click to edit Master subtitle style</a:t>
-            </a:r>
-            <a:endParaRPr lang="en-US" dirty="0"/>
-          </a:p>
-        </p:txBody>
-      </p:sp>
-      <p:sp>
-        <p:nvSpPr>
-          <p:cNvPr id="7" name="Date Placeholder 6"/>
           <p:cNvSpPr>
             <a:spLocks noGrp="1"/>
           </p:cNvSpPr>
@@ -876,12 +767,38 @@
       </p:sp>
       <p:sp>
         <p:nvSpPr>
-          <p:cNvPr id="8" name="Slide Number Placeholder 7"/>
-          <p:cNvSpPr>
-            <a:spLocks noGrp="1"/>
-          </p:cNvSpPr>
-          <p:nvPr>
-            <p:ph type="sldNum" sz="quarter" idx="11"/>
+          <p:cNvPr id="5" name="Footer Placeholder 4"/>
+          <p:cNvSpPr>
+            <a:spLocks noGrp="1"/>
+          </p:cNvSpPr>
+          <p:nvPr>
+            <p:ph type="ftr" sz="quarter" idx="11"/>
+          </p:nvPr>
+        </p:nvSpPr>
+        <p:spPr/>
+        <p:txBody>
+          <a:bodyPr/>
+          <a:lstStyle/>
+          <a:p>
+            <a:endParaRPr lang="en-US">
+              <a:solidFill>
+                <a:prstClr val="black">
+                  <a:lumMod val="65000"/>
+                  <a:lumOff val="35000"/>
+                </a:prstClr>
+              </a:solidFill>
+            </a:endParaRPr>
+          </a:p>
+        </p:txBody>
+      </p:sp>
+      <p:sp>
+        <p:nvSpPr>
+          <p:cNvPr id="6" name="Slide Number Placeholder 5"/>
+          <p:cNvSpPr>
+            <a:spLocks noGrp="1"/>
+          </p:cNvSpPr>
+          <p:nvPr>
+            <p:ph type="sldNum" sz="quarter" idx="12"/>
           </p:nvPr>
         </p:nvSpPr>
         <p:spPr/>
@@ -912,53 +829,20 @@
           </a:p>
         </p:txBody>
       </p:sp>
-      <p:sp>
-        <p:nvSpPr>
-          <p:cNvPr id="9" name="Footer Placeholder 8"/>
-          <p:cNvSpPr>
-            <a:spLocks noGrp="1"/>
-          </p:cNvSpPr>
-          <p:nvPr>
-            <p:ph type="ftr" sz="quarter" idx="12"/>
-          </p:nvPr>
-        </p:nvSpPr>
-        <p:spPr/>
-        <p:txBody>
-          <a:bodyPr/>
-          <a:lstStyle/>
-          <a:p>
-            <a:endParaRPr lang="en-US">
-              <a:solidFill>
-                <a:prstClr val="black">
-                  <a:lumMod val="65000"/>
-                  <a:lumOff val="35000"/>
-                </a:prstClr>
-              </a:solidFill>
-            </a:endParaRPr>
-          </a:p>
-        </p:txBody>
-      </p:sp>
     </p:spTree>
     <p:extLst>
       <p:ext uri="{BB962C8B-B14F-4D97-AF65-F5344CB8AC3E}">
-        <p14:creationId xmlns:p14="http://schemas.microsoft.com/office/powerpoint/2010/main" val="864590947"/>
+        <p14:creationId xmlns:p14="http://schemas.microsoft.com/office/powerpoint/2010/main" val="2103237446"/>
       </p:ext>
     </p:extLst>
   </p:cSld>
   <p:clrMapOvr>
     <a:masterClrMapping/>
   </p:clrMapOvr>
-  <p:timing>
-    <p:tnLst>
-      <p:par>
-        <p:cTn id="1" dur="indefinite" restart="never" nodeType="tmRoot"/>
-      </p:par>
-    </p:tnLst>
-  </p:timing>
 </p:sldLayout>
 </file>
 
-<file path=ppt/slideLayouts/slideLayout13.xml><?xml version="1.0" encoding="utf-8"?>
+<file path=ppt/slideLayouts/slideLayout2.xml><?xml version="1.0" encoding="utf-8"?>
 <p:sldLayout xmlns:a="http://schemas.openxmlformats.org/drawingml/2006/main" xmlns:r="http://schemas.openxmlformats.org/officeDocument/2006/relationships" xmlns:p="http://schemas.openxmlformats.org/presentationml/2006/main" type="obj" preserve="1">
   <p:cSld name="Title and Content">
     <p:spTree>
@@ -1248,7 +1132,7 @@
 </p:sldLayout>
 </file>
 
-<file path=ppt/slideLayouts/slideLayout14.xml><?xml version="1.0" encoding="utf-8"?>
+<file path=ppt/slideLayouts/slideLayout3.xml><?xml version="1.0" encoding="utf-8"?>
 <p:sldLayout xmlns:a="http://schemas.openxmlformats.org/drawingml/2006/main" xmlns:r="http://schemas.openxmlformats.org/officeDocument/2006/relationships" xmlns:p="http://schemas.openxmlformats.org/presentationml/2006/main" type="secHead" preserve="1">
   <p:cSld name="Section Header">
     <p:spTree>
@@ -1721,7 +1605,7 @@
 </p:sldLayout>
 </file>
 
-<file path=ppt/slideLayouts/slideLayout15.xml><?xml version="1.0" encoding="utf-8"?>
+<file path=ppt/slideLayouts/slideLayout4.xml><?xml version="1.0" encoding="utf-8"?>
 <p:sldLayout xmlns:a="http://schemas.openxmlformats.org/drawingml/2006/main" xmlns:r="http://schemas.openxmlformats.org/officeDocument/2006/relationships" xmlns:p="http://schemas.openxmlformats.org/presentationml/2006/main" type="twoObj" preserve="1">
   <p:cSld name="Two Content">
     <p:spTree>
@@ -2114,7 +1998,7 @@
 </p:sldLayout>
 </file>
 
-<file path=ppt/slideLayouts/slideLayout16.xml><?xml version="1.0" encoding="utf-8"?>
+<file path=ppt/slideLayouts/slideLayout5.xml><?xml version="1.0" encoding="utf-8"?>
 <p:sldLayout xmlns:a="http://schemas.openxmlformats.org/drawingml/2006/main" xmlns:r="http://schemas.openxmlformats.org/officeDocument/2006/relationships" xmlns:p="http://schemas.openxmlformats.org/presentationml/2006/main" type="twoTxTwoObj" preserve="1">
   <p:cSld name="Comparison">
     <p:spTree>
@@ -2521,7 +2405,7 @@
 </p:sldLayout>
 </file>
 
-<file path=ppt/slideLayouts/slideLayout17.xml><?xml version="1.0" encoding="utf-8"?>
+<file path=ppt/slideLayouts/slideLayout6.xml><?xml version="1.0" encoding="utf-8"?>
 <p:sldLayout xmlns:a="http://schemas.openxmlformats.org/drawingml/2006/main" xmlns:r="http://schemas.openxmlformats.org/officeDocument/2006/relationships" xmlns:p="http://schemas.openxmlformats.org/presentationml/2006/main" type="titleOnly" preserve="1">
   <p:cSld name="Title Only">
     <p:spTree>
@@ -2676,7 +2560,7 @@
 </p:sldLayout>
 </file>
 
-<file path=ppt/slideLayouts/slideLayout18.xml><?xml version="1.0" encoding="utf-8"?>
+<file path=ppt/slideLayouts/slideLayout7.xml><?xml version="1.0" encoding="utf-8"?>
 <p:sldLayout xmlns:a="http://schemas.openxmlformats.org/drawingml/2006/main" xmlns:r="http://schemas.openxmlformats.org/officeDocument/2006/relationships" xmlns:p="http://schemas.openxmlformats.org/presentationml/2006/main" type="blank" preserve="1">
   <p:cSld name="Blank">
     <p:spTree>
@@ -2808,7 +2692,7 @@
 </p:sldLayout>
 </file>
 
-<file path=ppt/slideLayouts/slideLayout19.xml><?xml version="1.0" encoding="utf-8"?>
+<file path=ppt/slideLayouts/slideLayout8.xml><?xml version="1.0" encoding="utf-8"?>
 <p:sldLayout xmlns:a="http://schemas.openxmlformats.org/drawingml/2006/main" xmlns:r="http://schemas.openxmlformats.org/officeDocument/2006/relationships" xmlns:p="http://schemas.openxmlformats.org/presentationml/2006/main" type="objTx" preserve="1">
   <p:cSld name="Content with Caption">
     <p:spTree>
@@ -3138,177 +3022,7 @@
 </p:sldLayout>
 </file>
 
-<file path=ppt/slideLayouts/slideLayout2.xml><?xml version="1.0" encoding="utf-8"?>
-<p:sldLayout xmlns:a="http://schemas.openxmlformats.org/drawingml/2006/main" xmlns:r="http://schemas.openxmlformats.org/officeDocument/2006/relationships" xmlns:p="http://schemas.openxmlformats.org/presentationml/2006/main" type="obj" preserve="1">
-  <p:cSld name="Title and Content">
-    <p:spTree>
-      <p:nvGrpSpPr>
-        <p:cNvPr id="1" name=""/>
-        <p:cNvGrpSpPr/>
-        <p:nvPr/>
-      </p:nvGrpSpPr>
-      <p:grpSpPr>
-        <a:xfrm>
-          <a:off x="0" y="0"/>
-          <a:ext cx="0" cy="0"/>
-          <a:chOff x="0" y="0"/>
-          <a:chExt cx="0" cy="0"/>
-        </a:xfrm>
-      </p:grpSpPr>
-      <p:sp>
-        <p:nvSpPr>
-          <p:cNvPr id="2" name="Title 1"/>
-          <p:cNvSpPr>
-            <a:spLocks noGrp="1"/>
-          </p:cNvSpPr>
-          <p:nvPr>
-            <p:ph type="title"/>
-          </p:nvPr>
-        </p:nvSpPr>
-        <p:spPr/>
-        <p:txBody>
-          <a:bodyPr/>
-          <a:lstStyle/>
-          <a:p>
-            <a:r>
-              <a:rPr lang="en-US" smtClean="0"/>
-              <a:t>Click to edit Master title style</a:t>
-            </a:r>
-            <a:endParaRPr lang="en-US"/>
-          </a:p>
-        </p:txBody>
-      </p:sp>
-      <p:sp>
-        <p:nvSpPr>
-          <p:cNvPr id="3" name="Content Placeholder 2"/>
-          <p:cNvSpPr>
-            <a:spLocks noGrp="1"/>
-          </p:cNvSpPr>
-          <p:nvPr>
-            <p:ph idx="1"/>
-          </p:nvPr>
-        </p:nvSpPr>
-        <p:spPr/>
-        <p:txBody>
-          <a:bodyPr/>
-          <a:lstStyle/>
-          <a:p>
-            <a:pPr lvl="0"/>
-            <a:r>
-              <a:rPr lang="en-US" smtClean="0"/>
-              <a:t>Click to edit Master text styles</a:t>
-            </a:r>
-          </a:p>
-          <a:p>
-            <a:pPr lvl="1"/>
-            <a:r>
-              <a:rPr lang="en-US" smtClean="0"/>
-              <a:t>Second level</a:t>
-            </a:r>
-          </a:p>
-          <a:p>
-            <a:pPr lvl="2"/>
-            <a:r>
-              <a:rPr lang="en-US" smtClean="0"/>
-              <a:t>Third level</a:t>
-            </a:r>
-          </a:p>
-          <a:p>
-            <a:pPr lvl="3"/>
-            <a:r>
-              <a:rPr lang="en-US" smtClean="0"/>
-              <a:t>Fourth level</a:t>
-            </a:r>
-          </a:p>
-          <a:p>
-            <a:pPr lvl="4"/>
-            <a:r>
-              <a:rPr lang="en-US" smtClean="0"/>
-              <a:t>Fifth level</a:t>
-            </a:r>
-            <a:endParaRPr lang="en-US"/>
-          </a:p>
-        </p:txBody>
-      </p:sp>
-      <p:sp>
-        <p:nvSpPr>
-          <p:cNvPr id="4" name="Date Placeholder 3"/>
-          <p:cNvSpPr>
-            <a:spLocks noGrp="1"/>
-          </p:cNvSpPr>
-          <p:nvPr>
-            <p:ph type="dt" sz="half" idx="10"/>
-          </p:nvPr>
-        </p:nvSpPr>
-        <p:spPr/>
-        <p:txBody>
-          <a:bodyPr/>
-          <a:lstStyle/>
-          <a:p>
-            <a:fld id="{D8ED4A12-CF3C-4919-955A-96A1B04E756E}" type="datetimeFigureOut">
-              <a:rPr lang="en-US" smtClean="0"/>
-              <a:t>10/4/2016</a:t>
-            </a:fld>
-            <a:endParaRPr lang="en-US"/>
-          </a:p>
-        </p:txBody>
-      </p:sp>
-      <p:sp>
-        <p:nvSpPr>
-          <p:cNvPr id="5" name="Footer Placeholder 4"/>
-          <p:cNvSpPr>
-            <a:spLocks noGrp="1"/>
-          </p:cNvSpPr>
-          <p:nvPr>
-            <p:ph type="ftr" sz="quarter" idx="11"/>
-          </p:nvPr>
-        </p:nvSpPr>
-        <p:spPr/>
-        <p:txBody>
-          <a:bodyPr/>
-          <a:lstStyle/>
-          <a:p>
-            <a:endParaRPr lang="en-US"/>
-          </a:p>
-        </p:txBody>
-      </p:sp>
-      <p:sp>
-        <p:nvSpPr>
-          <p:cNvPr id="6" name="Slide Number Placeholder 5"/>
-          <p:cNvSpPr>
-            <a:spLocks noGrp="1"/>
-          </p:cNvSpPr>
-          <p:nvPr>
-            <p:ph type="sldNum" sz="quarter" idx="12"/>
-          </p:nvPr>
-        </p:nvSpPr>
-        <p:spPr/>
-        <p:txBody>
-          <a:bodyPr/>
-          <a:lstStyle/>
-          <a:p>
-            <a:fld id="{B7B2BFA0-F11E-4E2F-9225-9E644028C5D1}" type="slidenum">
-              <a:rPr lang="en-US" smtClean="0"/>
-              <a:t>‹#›</a:t>
-            </a:fld>
-            <a:endParaRPr lang="en-US"/>
-          </a:p>
-        </p:txBody>
-      </p:sp>
-    </p:spTree>
-    <p:extLst>
-      <p:ext uri="{BB962C8B-B14F-4D97-AF65-F5344CB8AC3E}">
-        <p14:creationId xmlns:p14="http://schemas.microsoft.com/office/powerpoint/2010/main" val="1731874534"/>
-      </p:ext>
-    </p:extLst>
-  </p:cSld>
-  <p:clrMapOvr>
-    <a:masterClrMapping/>
-  </p:clrMapOvr>
-</p:sldLayout>
-</file>
-
-<file path=ppt/slideLayouts/slideLayout20.xml><?xml version="1.0" encoding="utf-8"?>
+<file path=ppt/slideLayouts/slideLayout9.xml><?xml version="1.0" encoding="utf-8"?>
 <p:sldLayout xmlns:a="http://schemas.openxmlformats.org/drawingml/2006/main" xmlns:r="http://schemas.openxmlformats.org/officeDocument/2006/relationships" xmlns:p="http://schemas.openxmlformats.org/presentationml/2006/main" type="picTx" preserve="1">
   <p:cSld name="Picture with Caption">
     <p:spTree>
@@ -3619,2559 +3333,7 @@
 </p:sldLayout>
 </file>
 
-<file path=ppt/slideLayouts/slideLayout21.xml><?xml version="1.0" encoding="utf-8"?>
-<p:sldLayout xmlns:a="http://schemas.openxmlformats.org/drawingml/2006/main" xmlns:r="http://schemas.openxmlformats.org/officeDocument/2006/relationships" xmlns:p="http://schemas.openxmlformats.org/presentationml/2006/main" type="vertTx" preserve="1">
-  <p:cSld name="Title and Vertical Text">
-    <p:spTree>
-      <p:nvGrpSpPr>
-        <p:cNvPr id="1" name=""/>
-        <p:cNvGrpSpPr/>
-        <p:nvPr/>
-      </p:nvGrpSpPr>
-      <p:grpSpPr>
-        <a:xfrm>
-          <a:off x="0" y="0"/>
-          <a:ext cx="0" cy="0"/>
-          <a:chOff x="0" y="0"/>
-          <a:chExt cx="0" cy="0"/>
-        </a:xfrm>
-      </p:grpSpPr>
-      <p:sp>
-        <p:nvSpPr>
-          <p:cNvPr id="2" name="Title 1"/>
-          <p:cNvSpPr>
-            <a:spLocks noGrp="1"/>
-          </p:cNvSpPr>
-          <p:nvPr>
-            <p:ph type="title"/>
-          </p:nvPr>
-        </p:nvSpPr>
-        <p:spPr/>
-        <p:txBody>
-          <a:bodyPr/>
-          <a:lstStyle/>
-          <a:p>
-            <a:r>
-              <a:rPr lang="en-US" smtClean="0"/>
-              <a:t>Click to edit Master title style</a:t>
-            </a:r>
-            <a:endParaRPr lang="en-US" dirty="0"/>
-          </a:p>
-        </p:txBody>
-      </p:sp>
-      <p:sp>
-        <p:nvSpPr>
-          <p:cNvPr id="3" name="Vertical Text Placeholder 2"/>
-          <p:cNvSpPr>
-            <a:spLocks noGrp="1"/>
-          </p:cNvSpPr>
-          <p:nvPr>
-            <p:ph type="body" orient="vert" idx="1"/>
-          </p:nvPr>
-        </p:nvSpPr>
-        <p:spPr/>
-        <p:txBody>
-          <a:bodyPr vert="eaVert"/>
-          <a:lstStyle/>
-          <a:p>
-            <a:pPr lvl="0"/>
-            <a:r>
-              <a:rPr lang="en-US" smtClean="0"/>
-              <a:t>Click to edit Master text styles</a:t>
-            </a:r>
-          </a:p>
-          <a:p>
-            <a:pPr lvl="1"/>
-            <a:r>
-              <a:rPr lang="en-US" smtClean="0"/>
-              <a:t>Second level</a:t>
-            </a:r>
-          </a:p>
-          <a:p>
-            <a:pPr lvl="2"/>
-            <a:r>
-              <a:rPr lang="en-US" smtClean="0"/>
-              <a:t>Third level</a:t>
-            </a:r>
-          </a:p>
-          <a:p>
-            <a:pPr lvl="3"/>
-            <a:r>
-              <a:rPr lang="en-US" smtClean="0"/>
-              <a:t>Fourth level</a:t>
-            </a:r>
-          </a:p>
-          <a:p>
-            <a:pPr lvl="4"/>
-            <a:r>
-              <a:rPr lang="en-US" smtClean="0"/>
-              <a:t>Fifth level</a:t>
-            </a:r>
-            <a:endParaRPr lang="en-US"/>
-          </a:p>
-        </p:txBody>
-      </p:sp>
-      <p:sp>
-        <p:nvSpPr>
-          <p:cNvPr id="4" name="Date Placeholder 3"/>
-          <p:cNvSpPr>
-            <a:spLocks noGrp="1"/>
-          </p:cNvSpPr>
-          <p:nvPr>
-            <p:ph type="dt" sz="half" idx="10"/>
-          </p:nvPr>
-        </p:nvSpPr>
-        <p:spPr/>
-        <p:txBody>
-          <a:bodyPr/>
-          <a:lstStyle/>
-          <a:p>
-            <a:fld id="{5DBDA2D4-AB79-4DBE-BB42-0FB1B4029714}" type="datetimeFigureOut">
-              <a:rPr lang="en-US" smtClean="0">
-                <a:solidFill>
-                  <a:prstClr val="black">
-                    <a:lumMod val="65000"/>
-                    <a:lumOff val="35000"/>
-                  </a:prstClr>
-                </a:solidFill>
-              </a:rPr>
-              <a:pPr/>
-              <a:t>10/4/2016</a:t>
-            </a:fld>
-            <a:endParaRPr lang="en-US">
-              <a:solidFill>
-                <a:prstClr val="black">
-                  <a:lumMod val="65000"/>
-                  <a:lumOff val="35000"/>
-                </a:prstClr>
-              </a:solidFill>
-            </a:endParaRPr>
-          </a:p>
-        </p:txBody>
-      </p:sp>
-      <p:sp>
-        <p:nvSpPr>
-          <p:cNvPr id="5" name="Footer Placeholder 4"/>
-          <p:cNvSpPr>
-            <a:spLocks noGrp="1"/>
-          </p:cNvSpPr>
-          <p:nvPr>
-            <p:ph type="ftr" sz="quarter" idx="11"/>
-          </p:nvPr>
-        </p:nvSpPr>
-        <p:spPr/>
-        <p:txBody>
-          <a:bodyPr/>
-          <a:lstStyle/>
-          <a:p>
-            <a:endParaRPr lang="en-US">
-              <a:solidFill>
-                <a:prstClr val="black">
-                  <a:lumMod val="65000"/>
-                  <a:lumOff val="35000"/>
-                </a:prstClr>
-              </a:solidFill>
-            </a:endParaRPr>
-          </a:p>
-        </p:txBody>
-      </p:sp>
-      <p:sp>
-        <p:nvSpPr>
-          <p:cNvPr id="6" name="Slide Number Placeholder 5"/>
-          <p:cNvSpPr>
-            <a:spLocks noGrp="1"/>
-          </p:cNvSpPr>
-          <p:nvPr>
-            <p:ph type="sldNum" sz="quarter" idx="12"/>
-          </p:nvPr>
-        </p:nvSpPr>
-        <p:spPr/>
-        <p:txBody>
-          <a:bodyPr/>
-          <a:lstStyle/>
-          <a:p>
-            <a:fld id="{DD50E292-CBF6-4C72-AFE7-56CE962DB099}" type="slidenum">
-              <a:rPr lang="en-US" smtClean="0">
-                <a:solidFill>
-                  <a:prstClr val="black">
-                    <a:lumMod val="65000"/>
-                    <a:lumOff val="35000"/>
-                  </a:prstClr>
-                </a:solidFill>
-              </a:rPr>
-              <a:pPr/>
-              <a:t>‹#›</a:t>
-            </a:fld>
-            <a:endParaRPr lang="en-US">
-              <a:solidFill>
-                <a:prstClr val="black">
-                  <a:lumMod val="65000"/>
-                  <a:lumOff val="35000"/>
-                </a:prstClr>
-              </a:solidFill>
-            </a:endParaRPr>
-          </a:p>
-        </p:txBody>
-      </p:sp>
-    </p:spTree>
-    <p:extLst>
-      <p:ext uri="{BB962C8B-B14F-4D97-AF65-F5344CB8AC3E}">
-        <p14:creationId xmlns:p14="http://schemas.microsoft.com/office/powerpoint/2010/main" val="1851446312"/>
-      </p:ext>
-    </p:extLst>
-  </p:cSld>
-  <p:clrMapOvr>
-    <a:masterClrMapping/>
-  </p:clrMapOvr>
-</p:sldLayout>
-</file>
-
-<file path=ppt/slideLayouts/slideLayout22.xml><?xml version="1.0" encoding="utf-8"?>
-<p:sldLayout xmlns:a="http://schemas.openxmlformats.org/drawingml/2006/main" xmlns:r="http://schemas.openxmlformats.org/officeDocument/2006/relationships" xmlns:p="http://schemas.openxmlformats.org/presentationml/2006/main" type="vertTitleAndTx" preserve="1">
-  <p:cSld name="Vertical Title and Text">
-    <p:spTree>
-      <p:nvGrpSpPr>
-        <p:cNvPr id="1" name=""/>
-        <p:cNvGrpSpPr/>
-        <p:nvPr/>
-      </p:nvGrpSpPr>
-      <p:grpSpPr>
-        <a:xfrm>
-          <a:off x="0" y="0"/>
-          <a:ext cx="0" cy="0"/>
-          <a:chOff x="0" y="0"/>
-          <a:chExt cx="0" cy="0"/>
-        </a:xfrm>
-      </p:grpSpPr>
-      <p:sp>
-        <p:nvSpPr>
-          <p:cNvPr id="2" name="Vertical Title 1"/>
-          <p:cNvSpPr>
-            <a:spLocks noGrp="1"/>
-          </p:cNvSpPr>
-          <p:nvPr>
-            <p:ph type="title" orient="vert"/>
-          </p:nvPr>
-        </p:nvSpPr>
-        <p:spPr>
-          <a:xfrm>
-            <a:off x="8839200" y="274639"/>
-            <a:ext cx="2743200" cy="5851525"/>
-          </a:xfrm>
-        </p:spPr>
-        <p:txBody>
-          <a:bodyPr vert="eaVert"/>
-          <a:lstStyle/>
-          <a:p>
-            <a:r>
-              <a:rPr lang="en-US" smtClean="0"/>
-              <a:t>Click to edit Master title style</a:t>
-            </a:r>
-            <a:endParaRPr lang="en-US" dirty="0"/>
-          </a:p>
-        </p:txBody>
-      </p:sp>
-      <p:sp>
-        <p:nvSpPr>
-          <p:cNvPr id="3" name="Vertical Text Placeholder 2"/>
-          <p:cNvSpPr>
-            <a:spLocks noGrp="1"/>
-          </p:cNvSpPr>
-          <p:nvPr>
-            <p:ph type="body" orient="vert" idx="1"/>
-          </p:nvPr>
-        </p:nvSpPr>
-        <p:spPr>
-          <a:xfrm>
-            <a:off x="609600" y="274639"/>
-            <a:ext cx="8026400" cy="5851525"/>
-          </a:xfrm>
-        </p:spPr>
-        <p:txBody>
-          <a:bodyPr vert="eaVert"/>
-          <a:lstStyle/>
-          <a:p>
-            <a:pPr lvl="0"/>
-            <a:r>
-              <a:rPr lang="en-US" smtClean="0"/>
-              <a:t>Click to edit Master text styles</a:t>
-            </a:r>
-          </a:p>
-          <a:p>
-            <a:pPr lvl="1"/>
-            <a:r>
-              <a:rPr lang="en-US" smtClean="0"/>
-              <a:t>Second level</a:t>
-            </a:r>
-          </a:p>
-          <a:p>
-            <a:pPr lvl="2"/>
-            <a:r>
-              <a:rPr lang="en-US" smtClean="0"/>
-              <a:t>Third level</a:t>
-            </a:r>
-          </a:p>
-          <a:p>
-            <a:pPr lvl="3"/>
-            <a:r>
-              <a:rPr lang="en-US" smtClean="0"/>
-              <a:t>Fourth level</a:t>
-            </a:r>
-          </a:p>
-          <a:p>
-            <a:pPr lvl="4"/>
-            <a:r>
-              <a:rPr lang="en-US" smtClean="0"/>
-              <a:t>Fifth level</a:t>
-            </a:r>
-            <a:endParaRPr lang="en-US"/>
-          </a:p>
-        </p:txBody>
-      </p:sp>
-      <p:sp>
-        <p:nvSpPr>
-          <p:cNvPr id="4" name="Date Placeholder 3"/>
-          <p:cNvSpPr>
-            <a:spLocks noGrp="1"/>
-          </p:cNvSpPr>
-          <p:nvPr>
-            <p:ph type="dt" sz="half" idx="10"/>
-          </p:nvPr>
-        </p:nvSpPr>
-        <p:spPr/>
-        <p:txBody>
-          <a:bodyPr/>
-          <a:lstStyle/>
-          <a:p>
-            <a:fld id="{5DBDA2D4-AB79-4DBE-BB42-0FB1B4029714}" type="datetimeFigureOut">
-              <a:rPr lang="en-US" smtClean="0">
-                <a:solidFill>
-                  <a:prstClr val="black">
-                    <a:lumMod val="65000"/>
-                    <a:lumOff val="35000"/>
-                  </a:prstClr>
-                </a:solidFill>
-              </a:rPr>
-              <a:pPr/>
-              <a:t>10/4/2016</a:t>
-            </a:fld>
-            <a:endParaRPr lang="en-US">
-              <a:solidFill>
-                <a:prstClr val="black">
-                  <a:lumMod val="65000"/>
-                  <a:lumOff val="35000"/>
-                </a:prstClr>
-              </a:solidFill>
-            </a:endParaRPr>
-          </a:p>
-        </p:txBody>
-      </p:sp>
-      <p:sp>
-        <p:nvSpPr>
-          <p:cNvPr id="5" name="Footer Placeholder 4"/>
-          <p:cNvSpPr>
-            <a:spLocks noGrp="1"/>
-          </p:cNvSpPr>
-          <p:nvPr>
-            <p:ph type="ftr" sz="quarter" idx="11"/>
-          </p:nvPr>
-        </p:nvSpPr>
-        <p:spPr/>
-        <p:txBody>
-          <a:bodyPr/>
-          <a:lstStyle/>
-          <a:p>
-            <a:endParaRPr lang="en-US">
-              <a:solidFill>
-                <a:prstClr val="black">
-                  <a:lumMod val="65000"/>
-                  <a:lumOff val="35000"/>
-                </a:prstClr>
-              </a:solidFill>
-            </a:endParaRPr>
-          </a:p>
-        </p:txBody>
-      </p:sp>
-      <p:sp>
-        <p:nvSpPr>
-          <p:cNvPr id="6" name="Slide Number Placeholder 5"/>
-          <p:cNvSpPr>
-            <a:spLocks noGrp="1"/>
-          </p:cNvSpPr>
-          <p:nvPr>
-            <p:ph type="sldNum" sz="quarter" idx="12"/>
-          </p:nvPr>
-        </p:nvSpPr>
-        <p:spPr/>
-        <p:txBody>
-          <a:bodyPr/>
-          <a:lstStyle/>
-          <a:p>
-            <a:fld id="{DD50E292-CBF6-4C72-AFE7-56CE962DB099}" type="slidenum">
-              <a:rPr lang="en-US" smtClean="0">
-                <a:solidFill>
-                  <a:prstClr val="black">
-                    <a:lumMod val="65000"/>
-                    <a:lumOff val="35000"/>
-                  </a:prstClr>
-                </a:solidFill>
-              </a:rPr>
-              <a:pPr/>
-              <a:t>‹#›</a:t>
-            </a:fld>
-            <a:endParaRPr lang="en-US">
-              <a:solidFill>
-                <a:prstClr val="black">
-                  <a:lumMod val="65000"/>
-                  <a:lumOff val="35000"/>
-                </a:prstClr>
-              </a:solidFill>
-            </a:endParaRPr>
-          </a:p>
-        </p:txBody>
-      </p:sp>
-    </p:spTree>
-    <p:extLst>
-      <p:ext uri="{BB962C8B-B14F-4D97-AF65-F5344CB8AC3E}">
-        <p14:creationId xmlns:p14="http://schemas.microsoft.com/office/powerpoint/2010/main" val="2103237446"/>
-      </p:ext>
-    </p:extLst>
-  </p:cSld>
-  <p:clrMapOvr>
-    <a:masterClrMapping/>
-  </p:clrMapOvr>
-</p:sldLayout>
-</file>
-
-<file path=ppt/slideLayouts/slideLayout3.xml><?xml version="1.0" encoding="utf-8"?>
-<p:sldLayout xmlns:a="http://schemas.openxmlformats.org/drawingml/2006/main" xmlns:r="http://schemas.openxmlformats.org/officeDocument/2006/relationships" xmlns:p="http://schemas.openxmlformats.org/presentationml/2006/main" type="secHead" preserve="1">
-  <p:cSld name="Section Header">
-    <p:spTree>
-      <p:nvGrpSpPr>
-        <p:cNvPr id="1" name=""/>
-        <p:cNvGrpSpPr/>
-        <p:nvPr/>
-      </p:nvGrpSpPr>
-      <p:grpSpPr>
-        <a:xfrm>
-          <a:off x="0" y="0"/>
-          <a:ext cx="0" cy="0"/>
-          <a:chOff x="0" y="0"/>
-          <a:chExt cx="0" cy="0"/>
-        </a:xfrm>
-      </p:grpSpPr>
-      <p:sp>
-        <p:nvSpPr>
-          <p:cNvPr id="2" name="Title 1"/>
-          <p:cNvSpPr>
-            <a:spLocks noGrp="1"/>
-          </p:cNvSpPr>
-          <p:nvPr>
-            <p:ph type="title"/>
-          </p:nvPr>
-        </p:nvSpPr>
-        <p:spPr>
-          <a:xfrm>
-            <a:off x="831850" y="1709738"/>
-            <a:ext cx="10515600" cy="2852737"/>
-          </a:xfrm>
-        </p:spPr>
-        <p:txBody>
-          <a:bodyPr anchor="b"/>
-          <a:lstStyle>
-            <a:lvl1pPr>
-              <a:defRPr sz="6000"/>
-            </a:lvl1pPr>
-          </a:lstStyle>
-          <a:p>
-            <a:r>
-              <a:rPr lang="en-US" smtClean="0"/>
-              <a:t>Click to edit Master title style</a:t>
-            </a:r>
-            <a:endParaRPr lang="en-US"/>
-          </a:p>
-        </p:txBody>
-      </p:sp>
-      <p:sp>
-        <p:nvSpPr>
-          <p:cNvPr id="3" name="Text Placeholder 2"/>
-          <p:cNvSpPr>
-            <a:spLocks noGrp="1"/>
-          </p:cNvSpPr>
-          <p:nvPr>
-            <p:ph type="body" idx="1"/>
-          </p:nvPr>
-        </p:nvSpPr>
-        <p:spPr>
-          <a:xfrm>
-            <a:off x="831850" y="4589463"/>
-            <a:ext cx="10515600" cy="1500187"/>
-          </a:xfrm>
-        </p:spPr>
-        <p:txBody>
-          <a:bodyPr/>
-          <a:lstStyle>
-            <a:lvl1pPr marL="0" indent="0">
-              <a:buNone/>
-              <a:defRPr sz="2400">
-                <a:solidFill>
-                  <a:schemeClr val="tx1">
-                    <a:tint val="75000"/>
-                  </a:schemeClr>
-                </a:solidFill>
-              </a:defRPr>
-            </a:lvl1pPr>
-            <a:lvl2pPr marL="457200" indent="0">
-              <a:buNone/>
-              <a:defRPr sz="2000">
-                <a:solidFill>
-                  <a:schemeClr val="tx1">
-                    <a:tint val="75000"/>
-                  </a:schemeClr>
-                </a:solidFill>
-              </a:defRPr>
-            </a:lvl2pPr>
-            <a:lvl3pPr marL="914400" indent="0">
-              <a:buNone/>
-              <a:defRPr sz="1800">
-                <a:solidFill>
-                  <a:schemeClr val="tx1">
-                    <a:tint val="75000"/>
-                  </a:schemeClr>
-                </a:solidFill>
-              </a:defRPr>
-            </a:lvl3pPr>
-            <a:lvl4pPr marL="1371600" indent="0">
-              <a:buNone/>
-              <a:defRPr sz="1600">
-                <a:solidFill>
-                  <a:schemeClr val="tx1">
-                    <a:tint val="75000"/>
-                  </a:schemeClr>
-                </a:solidFill>
-              </a:defRPr>
-            </a:lvl4pPr>
-            <a:lvl5pPr marL="1828800" indent="0">
-              <a:buNone/>
-              <a:defRPr sz="1600">
-                <a:solidFill>
-                  <a:schemeClr val="tx1">
-                    <a:tint val="75000"/>
-                  </a:schemeClr>
-                </a:solidFill>
-              </a:defRPr>
-            </a:lvl5pPr>
-            <a:lvl6pPr marL="2286000" indent="0">
-              <a:buNone/>
-              <a:defRPr sz="1600">
-                <a:solidFill>
-                  <a:schemeClr val="tx1">
-                    <a:tint val="75000"/>
-                  </a:schemeClr>
-                </a:solidFill>
-              </a:defRPr>
-            </a:lvl6pPr>
-            <a:lvl7pPr marL="2743200" indent="0">
-              <a:buNone/>
-              <a:defRPr sz="1600">
-                <a:solidFill>
-                  <a:schemeClr val="tx1">
-                    <a:tint val="75000"/>
-                  </a:schemeClr>
-                </a:solidFill>
-              </a:defRPr>
-            </a:lvl7pPr>
-            <a:lvl8pPr marL="3200400" indent="0">
-              <a:buNone/>
-              <a:defRPr sz="1600">
-                <a:solidFill>
-                  <a:schemeClr val="tx1">
-                    <a:tint val="75000"/>
-                  </a:schemeClr>
-                </a:solidFill>
-              </a:defRPr>
-            </a:lvl8pPr>
-            <a:lvl9pPr marL="3657600" indent="0">
-              <a:buNone/>
-              <a:defRPr sz="1600">
-                <a:solidFill>
-                  <a:schemeClr val="tx1">
-                    <a:tint val="75000"/>
-                  </a:schemeClr>
-                </a:solidFill>
-              </a:defRPr>
-            </a:lvl9pPr>
-          </a:lstStyle>
-          <a:p>
-            <a:pPr lvl="0"/>
-            <a:r>
-              <a:rPr lang="en-US" smtClean="0"/>
-              <a:t>Click to edit Master text styles</a:t>
-            </a:r>
-          </a:p>
-        </p:txBody>
-      </p:sp>
-      <p:sp>
-        <p:nvSpPr>
-          <p:cNvPr id="4" name="Date Placeholder 3"/>
-          <p:cNvSpPr>
-            <a:spLocks noGrp="1"/>
-          </p:cNvSpPr>
-          <p:nvPr>
-            <p:ph type="dt" sz="half" idx="10"/>
-          </p:nvPr>
-        </p:nvSpPr>
-        <p:spPr/>
-        <p:txBody>
-          <a:bodyPr/>
-          <a:lstStyle/>
-          <a:p>
-            <a:fld id="{D8ED4A12-CF3C-4919-955A-96A1B04E756E}" type="datetimeFigureOut">
-              <a:rPr lang="en-US" smtClean="0"/>
-              <a:t>10/4/2016</a:t>
-            </a:fld>
-            <a:endParaRPr lang="en-US"/>
-          </a:p>
-        </p:txBody>
-      </p:sp>
-      <p:sp>
-        <p:nvSpPr>
-          <p:cNvPr id="5" name="Footer Placeholder 4"/>
-          <p:cNvSpPr>
-            <a:spLocks noGrp="1"/>
-          </p:cNvSpPr>
-          <p:nvPr>
-            <p:ph type="ftr" sz="quarter" idx="11"/>
-          </p:nvPr>
-        </p:nvSpPr>
-        <p:spPr/>
-        <p:txBody>
-          <a:bodyPr/>
-          <a:lstStyle/>
-          <a:p>
-            <a:endParaRPr lang="en-US"/>
-          </a:p>
-        </p:txBody>
-      </p:sp>
-      <p:sp>
-        <p:nvSpPr>
-          <p:cNvPr id="6" name="Slide Number Placeholder 5"/>
-          <p:cNvSpPr>
-            <a:spLocks noGrp="1"/>
-          </p:cNvSpPr>
-          <p:nvPr>
-            <p:ph type="sldNum" sz="quarter" idx="12"/>
-          </p:nvPr>
-        </p:nvSpPr>
-        <p:spPr/>
-        <p:txBody>
-          <a:bodyPr/>
-          <a:lstStyle/>
-          <a:p>
-            <a:fld id="{B7B2BFA0-F11E-4E2F-9225-9E644028C5D1}" type="slidenum">
-              <a:rPr lang="en-US" smtClean="0"/>
-              <a:t>‹#›</a:t>
-            </a:fld>
-            <a:endParaRPr lang="en-US"/>
-          </a:p>
-        </p:txBody>
-      </p:sp>
-    </p:spTree>
-    <p:extLst>
-      <p:ext uri="{BB962C8B-B14F-4D97-AF65-F5344CB8AC3E}">
-        <p14:creationId xmlns:p14="http://schemas.microsoft.com/office/powerpoint/2010/main" val="3250002460"/>
-      </p:ext>
-    </p:extLst>
-  </p:cSld>
-  <p:clrMapOvr>
-    <a:masterClrMapping/>
-  </p:clrMapOvr>
-</p:sldLayout>
-</file>
-
-<file path=ppt/slideLayouts/slideLayout4.xml><?xml version="1.0" encoding="utf-8"?>
-<p:sldLayout xmlns:a="http://schemas.openxmlformats.org/drawingml/2006/main" xmlns:r="http://schemas.openxmlformats.org/officeDocument/2006/relationships" xmlns:p="http://schemas.openxmlformats.org/presentationml/2006/main" type="twoObj" preserve="1">
-  <p:cSld name="Two Content">
-    <p:spTree>
-      <p:nvGrpSpPr>
-        <p:cNvPr id="1" name=""/>
-        <p:cNvGrpSpPr/>
-        <p:nvPr/>
-      </p:nvGrpSpPr>
-      <p:grpSpPr>
-        <a:xfrm>
-          <a:off x="0" y="0"/>
-          <a:ext cx="0" cy="0"/>
-          <a:chOff x="0" y="0"/>
-          <a:chExt cx="0" cy="0"/>
-        </a:xfrm>
-      </p:grpSpPr>
-      <p:sp>
-        <p:nvSpPr>
-          <p:cNvPr id="2" name="Title 1"/>
-          <p:cNvSpPr>
-            <a:spLocks noGrp="1"/>
-          </p:cNvSpPr>
-          <p:nvPr>
-            <p:ph type="title"/>
-          </p:nvPr>
-        </p:nvSpPr>
-        <p:spPr/>
-        <p:txBody>
-          <a:bodyPr/>
-          <a:lstStyle/>
-          <a:p>
-            <a:r>
-              <a:rPr lang="en-US" smtClean="0"/>
-              <a:t>Click to edit Master title style</a:t>
-            </a:r>
-            <a:endParaRPr lang="en-US"/>
-          </a:p>
-        </p:txBody>
-      </p:sp>
-      <p:sp>
-        <p:nvSpPr>
-          <p:cNvPr id="3" name="Content Placeholder 2"/>
-          <p:cNvSpPr>
-            <a:spLocks noGrp="1"/>
-          </p:cNvSpPr>
-          <p:nvPr>
-            <p:ph sz="half" idx="1"/>
-          </p:nvPr>
-        </p:nvSpPr>
-        <p:spPr>
-          <a:xfrm>
-            <a:off x="838200" y="1825625"/>
-            <a:ext cx="5181600" cy="4351338"/>
-          </a:xfrm>
-        </p:spPr>
-        <p:txBody>
-          <a:bodyPr/>
-          <a:lstStyle/>
-          <a:p>
-            <a:pPr lvl="0"/>
-            <a:r>
-              <a:rPr lang="en-US" smtClean="0"/>
-              <a:t>Click to edit Master text styles</a:t>
-            </a:r>
-          </a:p>
-          <a:p>
-            <a:pPr lvl="1"/>
-            <a:r>
-              <a:rPr lang="en-US" smtClean="0"/>
-              <a:t>Second level</a:t>
-            </a:r>
-          </a:p>
-          <a:p>
-            <a:pPr lvl="2"/>
-            <a:r>
-              <a:rPr lang="en-US" smtClean="0"/>
-              <a:t>Third level</a:t>
-            </a:r>
-          </a:p>
-          <a:p>
-            <a:pPr lvl="3"/>
-            <a:r>
-              <a:rPr lang="en-US" smtClean="0"/>
-              <a:t>Fourth level</a:t>
-            </a:r>
-          </a:p>
-          <a:p>
-            <a:pPr lvl="4"/>
-            <a:r>
-              <a:rPr lang="en-US" smtClean="0"/>
-              <a:t>Fifth level</a:t>
-            </a:r>
-            <a:endParaRPr lang="en-US"/>
-          </a:p>
-        </p:txBody>
-      </p:sp>
-      <p:sp>
-        <p:nvSpPr>
-          <p:cNvPr id="4" name="Content Placeholder 3"/>
-          <p:cNvSpPr>
-            <a:spLocks noGrp="1"/>
-          </p:cNvSpPr>
-          <p:nvPr>
-            <p:ph sz="half" idx="2"/>
-          </p:nvPr>
-        </p:nvSpPr>
-        <p:spPr>
-          <a:xfrm>
-            <a:off x="6172200" y="1825625"/>
-            <a:ext cx="5181600" cy="4351338"/>
-          </a:xfrm>
-        </p:spPr>
-        <p:txBody>
-          <a:bodyPr/>
-          <a:lstStyle/>
-          <a:p>
-            <a:pPr lvl="0"/>
-            <a:r>
-              <a:rPr lang="en-US" smtClean="0"/>
-              <a:t>Click to edit Master text styles</a:t>
-            </a:r>
-          </a:p>
-          <a:p>
-            <a:pPr lvl="1"/>
-            <a:r>
-              <a:rPr lang="en-US" smtClean="0"/>
-              <a:t>Second level</a:t>
-            </a:r>
-          </a:p>
-          <a:p>
-            <a:pPr lvl="2"/>
-            <a:r>
-              <a:rPr lang="en-US" smtClean="0"/>
-              <a:t>Third level</a:t>
-            </a:r>
-          </a:p>
-          <a:p>
-            <a:pPr lvl="3"/>
-            <a:r>
-              <a:rPr lang="en-US" smtClean="0"/>
-              <a:t>Fourth level</a:t>
-            </a:r>
-          </a:p>
-          <a:p>
-            <a:pPr lvl="4"/>
-            <a:r>
-              <a:rPr lang="en-US" smtClean="0"/>
-              <a:t>Fifth level</a:t>
-            </a:r>
-            <a:endParaRPr lang="en-US"/>
-          </a:p>
-        </p:txBody>
-      </p:sp>
-      <p:sp>
-        <p:nvSpPr>
-          <p:cNvPr id="5" name="Date Placeholder 4"/>
-          <p:cNvSpPr>
-            <a:spLocks noGrp="1"/>
-          </p:cNvSpPr>
-          <p:nvPr>
-            <p:ph type="dt" sz="half" idx="10"/>
-          </p:nvPr>
-        </p:nvSpPr>
-        <p:spPr/>
-        <p:txBody>
-          <a:bodyPr/>
-          <a:lstStyle/>
-          <a:p>
-            <a:fld id="{D8ED4A12-CF3C-4919-955A-96A1B04E756E}" type="datetimeFigureOut">
-              <a:rPr lang="en-US" smtClean="0"/>
-              <a:t>10/4/2016</a:t>
-            </a:fld>
-            <a:endParaRPr lang="en-US"/>
-          </a:p>
-        </p:txBody>
-      </p:sp>
-      <p:sp>
-        <p:nvSpPr>
-          <p:cNvPr id="6" name="Footer Placeholder 5"/>
-          <p:cNvSpPr>
-            <a:spLocks noGrp="1"/>
-          </p:cNvSpPr>
-          <p:nvPr>
-            <p:ph type="ftr" sz="quarter" idx="11"/>
-          </p:nvPr>
-        </p:nvSpPr>
-        <p:spPr/>
-        <p:txBody>
-          <a:bodyPr/>
-          <a:lstStyle/>
-          <a:p>
-            <a:endParaRPr lang="en-US"/>
-          </a:p>
-        </p:txBody>
-      </p:sp>
-      <p:sp>
-        <p:nvSpPr>
-          <p:cNvPr id="7" name="Slide Number Placeholder 6"/>
-          <p:cNvSpPr>
-            <a:spLocks noGrp="1"/>
-          </p:cNvSpPr>
-          <p:nvPr>
-            <p:ph type="sldNum" sz="quarter" idx="12"/>
-          </p:nvPr>
-        </p:nvSpPr>
-        <p:spPr/>
-        <p:txBody>
-          <a:bodyPr/>
-          <a:lstStyle/>
-          <a:p>
-            <a:fld id="{B7B2BFA0-F11E-4E2F-9225-9E644028C5D1}" type="slidenum">
-              <a:rPr lang="en-US" smtClean="0"/>
-              <a:t>‹#›</a:t>
-            </a:fld>
-            <a:endParaRPr lang="en-US"/>
-          </a:p>
-        </p:txBody>
-      </p:sp>
-    </p:spTree>
-    <p:extLst>
-      <p:ext uri="{BB962C8B-B14F-4D97-AF65-F5344CB8AC3E}">
-        <p14:creationId xmlns:p14="http://schemas.microsoft.com/office/powerpoint/2010/main" val="752082765"/>
-      </p:ext>
-    </p:extLst>
-  </p:cSld>
-  <p:clrMapOvr>
-    <a:masterClrMapping/>
-  </p:clrMapOvr>
-</p:sldLayout>
-</file>
-
-<file path=ppt/slideLayouts/slideLayout5.xml><?xml version="1.0" encoding="utf-8"?>
-<p:sldLayout xmlns:a="http://schemas.openxmlformats.org/drawingml/2006/main" xmlns:r="http://schemas.openxmlformats.org/officeDocument/2006/relationships" xmlns:p="http://schemas.openxmlformats.org/presentationml/2006/main" type="twoTxTwoObj" preserve="1">
-  <p:cSld name="Comparison">
-    <p:spTree>
-      <p:nvGrpSpPr>
-        <p:cNvPr id="1" name=""/>
-        <p:cNvGrpSpPr/>
-        <p:nvPr/>
-      </p:nvGrpSpPr>
-      <p:grpSpPr>
-        <a:xfrm>
-          <a:off x="0" y="0"/>
-          <a:ext cx="0" cy="0"/>
-          <a:chOff x="0" y="0"/>
-          <a:chExt cx="0" cy="0"/>
-        </a:xfrm>
-      </p:grpSpPr>
-      <p:sp>
-        <p:nvSpPr>
-          <p:cNvPr id="2" name="Title 1"/>
-          <p:cNvSpPr>
-            <a:spLocks noGrp="1"/>
-          </p:cNvSpPr>
-          <p:nvPr>
-            <p:ph type="title"/>
-          </p:nvPr>
-        </p:nvSpPr>
-        <p:spPr>
-          <a:xfrm>
-            <a:off x="839788" y="365125"/>
-            <a:ext cx="10515600" cy="1325563"/>
-          </a:xfrm>
-        </p:spPr>
-        <p:txBody>
-          <a:bodyPr/>
-          <a:lstStyle/>
-          <a:p>
-            <a:r>
-              <a:rPr lang="en-US" smtClean="0"/>
-              <a:t>Click to edit Master title style</a:t>
-            </a:r>
-            <a:endParaRPr lang="en-US"/>
-          </a:p>
-        </p:txBody>
-      </p:sp>
-      <p:sp>
-        <p:nvSpPr>
-          <p:cNvPr id="3" name="Text Placeholder 2"/>
-          <p:cNvSpPr>
-            <a:spLocks noGrp="1"/>
-          </p:cNvSpPr>
-          <p:nvPr>
-            <p:ph type="body" idx="1"/>
-          </p:nvPr>
-        </p:nvSpPr>
-        <p:spPr>
-          <a:xfrm>
-            <a:off x="839788" y="1681163"/>
-            <a:ext cx="5157787" cy="823912"/>
-          </a:xfrm>
-        </p:spPr>
-        <p:txBody>
-          <a:bodyPr anchor="b"/>
-          <a:lstStyle>
-            <a:lvl1pPr marL="0" indent="0">
-              <a:buNone/>
-              <a:defRPr sz="2400" b="1"/>
-            </a:lvl1pPr>
-            <a:lvl2pPr marL="457200" indent="0">
-              <a:buNone/>
-              <a:defRPr sz="2000" b="1"/>
-            </a:lvl2pPr>
-            <a:lvl3pPr marL="914400" indent="0">
-              <a:buNone/>
-              <a:defRPr sz="1800" b="1"/>
-            </a:lvl3pPr>
-            <a:lvl4pPr marL="1371600" indent="0">
-              <a:buNone/>
-              <a:defRPr sz="1600" b="1"/>
-            </a:lvl4pPr>
-            <a:lvl5pPr marL="1828800" indent="0">
-              <a:buNone/>
-              <a:defRPr sz="1600" b="1"/>
-            </a:lvl5pPr>
-            <a:lvl6pPr marL="2286000" indent="0">
-              <a:buNone/>
-              <a:defRPr sz="1600" b="1"/>
-            </a:lvl6pPr>
-            <a:lvl7pPr marL="2743200" indent="0">
-              <a:buNone/>
-              <a:defRPr sz="1600" b="1"/>
-            </a:lvl7pPr>
-            <a:lvl8pPr marL="3200400" indent="0">
-              <a:buNone/>
-              <a:defRPr sz="1600" b="1"/>
-            </a:lvl8pPr>
-            <a:lvl9pPr marL="3657600" indent="0">
-              <a:buNone/>
-              <a:defRPr sz="1600" b="1"/>
-            </a:lvl9pPr>
-          </a:lstStyle>
-          <a:p>
-            <a:pPr lvl="0"/>
-            <a:r>
-              <a:rPr lang="en-US" smtClean="0"/>
-              <a:t>Click to edit Master text styles</a:t>
-            </a:r>
-          </a:p>
-        </p:txBody>
-      </p:sp>
-      <p:sp>
-        <p:nvSpPr>
-          <p:cNvPr id="4" name="Content Placeholder 3"/>
-          <p:cNvSpPr>
-            <a:spLocks noGrp="1"/>
-          </p:cNvSpPr>
-          <p:nvPr>
-            <p:ph sz="half" idx="2"/>
-          </p:nvPr>
-        </p:nvSpPr>
-        <p:spPr>
-          <a:xfrm>
-            <a:off x="839788" y="2505075"/>
-            <a:ext cx="5157787" cy="3684588"/>
-          </a:xfrm>
-        </p:spPr>
-        <p:txBody>
-          <a:bodyPr/>
-          <a:lstStyle/>
-          <a:p>
-            <a:pPr lvl="0"/>
-            <a:r>
-              <a:rPr lang="en-US" smtClean="0"/>
-              <a:t>Click to edit Master text styles</a:t>
-            </a:r>
-          </a:p>
-          <a:p>
-            <a:pPr lvl="1"/>
-            <a:r>
-              <a:rPr lang="en-US" smtClean="0"/>
-              <a:t>Second level</a:t>
-            </a:r>
-          </a:p>
-          <a:p>
-            <a:pPr lvl="2"/>
-            <a:r>
-              <a:rPr lang="en-US" smtClean="0"/>
-              <a:t>Third level</a:t>
-            </a:r>
-          </a:p>
-          <a:p>
-            <a:pPr lvl="3"/>
-            <a:r>
-              <a:rPr lang="en-US" smtClean="0"/>
-              <a:t>Fourth level</a:t>
-            </a:r>
-          </a:p>
-          <a:p>
-            <a:pPr lvl="4"/>
-            <a:r>
-              <a:rPr lang="en-US" smtClean="0"/>
-              <a:t>Fifth level</a:t>
-            </a:r>
-            <a:endParaRPr lang="en-US"/>
-          </a:p>
-        </p:txBody>
-      </p:sp>
-      <p:sp>
-        <p:nvSpPr>
-          <p:cNvPr id="5" name="Text Placeholder 4"/>
-          <p:cNvSpPr>
-            <a:spLocks noGrp="1"/>
-          </p:cNvSpPr>
-          <p:nvPr>
-            <p:ph type="body" sz="quarter" idx="3"/>
-          </p:nvPr>
-        </p:nvSpPr>
-        <p:spPr>
-          <a:xfrm>
-            <a:off x="6172200" y="1681163"/>
-            <a:ext cx="5183188" cy="823912"/>
-          </a:xfrm>
-        </p:spPr>
-        <p:txBody>
-          <a:bodyPr anchor="b"/>
-          <a:lstStyle>
-            <a:lvl1pPr marL="0" indent="0">
-              <a:buNone/>
-              <a:defRPr sz="2400" b="1"/>
-            </a:lvl1pPr>
-            <a:lvl2pPr marL="457200" indent="0">
-              <a:buNone/>
-              <a:defRPr sz="2000" b="1"/>
-            </a:lvl2pPr>
-            <a:lvl3pPr marL="914400" indent="0">
-              <a:buNone/>
-              <a:defRPr sz="1800" b="1"/>
-            </a:lvl3pPr>
-            <a:lvl4pPr marL="1371600" indent="0">
-              <a:buNone/>
-              <a:defRPr sz="1600" b="1"/>
-            </a:lvl4pPr>
-            <a:lvl5pPr marL="1828800" indent="0">
-              <a:buNone/>
-              <a:defRPr sz="1600" b="1"/>
-            </a:lvl5pPr>
-            <a:lvl6pPr marL="2286000" indent="0">
-              <a:buNone/>
-              <a:defRPr sz="1600" b="1"/>
-            </a:lvl6pPr>
-            <a:lvl7pPr marL="2743200" indent="0">
-              <a:buNone/>
-              <a:defRPr sz="1600" b="1"/>
-            </a:lvl7pPr>
-            <a:lvl8pPr marL="3200400" indent="0">
-              <a:buNone/>
-              <a:defRPr sz="1600" b="1"/>
-            </a:lvl8pPr>
-            <a:lvl9pPr marL="3657600" indent="0">
-              <a:buNone/>
-              <a:defRPr sz="1600" b="1"/>
-            </a:lvl9pPr>
-          </a:lstStyle>
-          <a:p>
-            <a:pPr lvl="0"/>
-            <a:r>
-              <a:rPr lang="en-US" smtClean="0"/>
-              <a:t>Click to edit Master text styles</a:t>
-            </a:r>
-          </a:p>
-        </p:txBody>
-      </p:sp>
-      <p:sp>
-        <p:nvSpPr>
-          <p:cNvPr id="6" name="Content Placeholder 5"/>
-          <p:cNvSpPr>
-            <a:spLocks noGrp="1"/>
-          </p:cNvSpPr>
-          <p:nvPr>
-            <p:ph sz="quarter" idx="4"/>
-          </p:nvPr>
-        </p:nvSpPr>
-        <p:spPr>
-          <a:xfrm>
-            <a:off x="6172200" y="2505075"/>
-            <a:ext cx="5183188" cy="3684588"/>
-          </a:xfrm>
-        </p:spPr>
-        <p:txBody>
-          <a:bodyPr/>
-          <a:lstStyle/>
-          <a:p>
-            <a:pPr lvl="0"/>
-            <a:r>
-              <a:rPr lang="en-US" smtClean="0"/>
-              <a:t>Click to edit Master text styles</a:t>
-            </a:r>
-          </a:p>
-          <a:p>
-            <a:pPr lvl="1"/>
-            <a:r>
-              <a:rPr lang="en-US" smtClean="0"/>
-              <a:t>Second level</a:t>
-            </a:r>
-          </a:p>
-          <a:p>
-            <a:pPr lvl="2"/>
-            <a:r>
-              <a:rPr lang="en-US" smtClean="0"/>
-              <a:t>Third level</a:t>
-            </a:r>
-          </a:p>
-          <a:p>
-            <a:pPr lvl="3"/>
-            <a:r>
-              <a:rPr lang="en-US" smtClean="0"/>
-              <a:t>Fourth level</a:t>
-            </a:r>
-          </a:p>
-          <a:p>
-            <a:pPr lvl="4"/>
-            <a:r>
-              <a:rPr lang="en-US" smtClean="0"/>
-              <a:t>Fifth level</a:t>
-            </a:r>
-            <a:endParaRPr lang="en-US"/>
-          </a:p>
-        </p:txBody>
-      </p:sp>
-      <p:sp>
-        <p:nvSpPr>
-          <p:cNvPr id="7" name="Date Placeholder 6"/>
-          <p:cNvSpPr>
-            <a:spLocks noGrp="1"/>
-          </p:cNvSpPr>
-          <p:nvPr>
-            <p:ph type="dt" sz="half" idx="10"/>
-          </p:nvPr>
-        </p:nvSpPr>
-        <p:spPr/>
-        <p:txBody>
-          <a:bodyPr/>
-          <a:lstStyle/>
-          <a:p>
-            <a:fld id="{D8ED4A12-CF3C-4919-955A-96A1B04E756E}" type="datetimeFigureOut">
-              <a:rPr lang="en-US" smtClean="0"/>
-              <a:t>10/4/2016</a:t>
-            </a:fld>
-            <a:endParaRPr lang="en-US"/>
-          </a:p>
-        </p:txBody>
-      </p:sp>
-      <p:sp>
-        <p:nvSpPr>
-          <p:cNvPr id="8" name="Footer Placeholder 7"/>
-          <p:cNvSpPr>
-            <a:spLocks noGrp="1"/>
-          </p:cNvSpPr>
-          <p:nvPr>
-            <p:ph type="ftr" sz="quarter" idx="11"/>
-          </p:nvPr>
-        </p:nvSpPr>
-        <p:spPr/>
-        <p:txBody>
-          <a:bodyPr/>
-          <a:lstStyle/>
-          <a:p>
-            <a:endParaRPr lang="en-US"/>
-          </a:p>
-        </p:txBody>
-      </p:sp>
-      <p:sp>
-        <p:nvSpPr>
-          <p:cNvPr id="9" name="Slide Number Placeholder 8"/>
-          <p:cNvSpPr>
-            <a:spLocks noGrp="1"/>
-          </p:cNvSpPr>
-          <p:nvPr>
-            <p:ph type="sldNum" sz="quarter" idx="12"/>
-          </p:nvPr>
-        </p:nvSpPr>
-        <p:spPr/>
-        <p:txBody>
-          <a:bodyPr/>
-          <a:lstStyle/>
-          <a:p>
-            <a:fld id="{B7B2BFA0-F11E-4E2F-9225-9E644028C5D1}" type="slidenum">
-              <a:rPr lang="en-US" smtClean="0"/>
-              <a:t>‹#›</a:t>
-            </a:fld>
-            <a:endParaRPr lang="en-US"/>
-          </a:p>
-        </p:txBody>
-      </p:sp>
-    </p:spTree>
-    <p:extLst>
-      <p:ext uri="{BB962C8B-B14F-4D97-AF65-F5344CB8AC3E}">
-        <p14:creationId xmlns:p14="http://schemas.microsoft.com/office/powerpoint/2010/main" val="2043770992"/>
-      </p:ext>
-    </p:extLst>
-  </p:cSld>
-  <p:clrMapOvr>
-    <a:masterClrMapping/>
-  </p:clrMapOvr>
-</p:sldLayout>
-</file>
-
-<file path=ppt/slideLayouts/slideLayout6.xml><?xml version="1.0" encoding="utf-8"?>
-<p:sldLayout xmlns:a="http://schemas.openxmlformats.org/drawingml/2006/main" xmlns:r="http://schemas.openxmlformats.org/officeDocument/2006/relationships" xmlns:p="http://schemas.openxmlformats.org/presentationml/2006/main" type="titleOnly" preserve="1">
-  <p:cSld name="Title Only">
-    <p:spTree>
-      <p:nvGrpSpPr>
-        <p:cNvPr id="1" name=""/>
-        <p:cNvGrpSpPr/>
-        <p:nvPr/>
-      </p:nvGrpSpPr>
-      <p:grpSpPr>
-        <a:xfrm>
-          <a:off x="0" y="0"/>
-          <a:ext cx="0" cy="0"/>
-          <a:chOff x="0" y="0"/>
-          <a:chExt cx="0" cy="0"/>
-        </a:xfrm>
-      </p:grpSpPr>
-      <p:sp>
-        <p:nvSpPr>
-          <p:cNvPr id="2" name="Title 1"/>
-          <p:cNvSpPr>
-            <a:spLocks noGrp="1"/>
-          </p:cNvSpPr>
-          <p:nvPr>
-            <p:ph type="title"/>
-          </p:nvPr>
-        </p:nvSpPr>
-        <p:spPr/>
-        <p:txBody>
-          <a:bodyPr/>
-          <a:lstStyle/>
-          <a:p>
-            <a:r>
-              <a:rPr lang="en-US" smtClean="0"/>
-              <a:t>Click to edit Master title style</a:t>
-            </a:r>
-            <a:endParaRPr lang="en-US"/>
-          </a:p>
-        </p:txBody>
-      </p:sp>
-      <p:sp>
-        <p:nvSpPr>
-          <p:cNvPr id="3" name="Date Placeholder 2"/>
-          <p:cNvSpPr>
-            <a:spLocks noGrp="1"/>
-          </p:cNvSpPr>
-          <p:nvPr>
-            <p:ph type="dt" sz="half" idx="10"/>
-          </p:nvPr>
-        </p:nvSpPr>
-        <p:spPr/>
-        <p:txBody>
-          <a:bodyPr/>
-          <a:lstStyle/>
-          <a:p>
-            <a:fld id="{D8ED4A12-CF3C-4919-955A-96A1B04E756E}" type="datetimeFigureOut">
-              <a:rPr lang="en-US" smtClean="0"/>
-              <a:t>10/4/2016</a:t>
-            </a:fld>
-            <a:endParaRPr lang="en-US"/>
-          </a:p>
-        </p:txBody>
-      </p:sp>
-      <p:sp>
-        <p:nvSpPr>
-          <p:cNvPr id="4" name="Footer Placeholder 3"/>
-          <p:cNvSpPr>
-            <a:spLocks noGrp="1"/>
-          </p:cNvSpPr>
-          <p:nvPr>
-            <p:ph type="ftr" sz="quarter" idx="11"/>
-          </p:nvPr>
-        </p:nvSpPr>
-        <p:spPr/>
-        <p:txBody>
-          <a:bodyPr/>
-          <a:lstStyle/>
-          <a:p>
-            <a:endParaRPr lang="en-US"/>
-          </a:p>
-        </p:txBody>
-      </p:sp>
-      <p:sp>
-        <p:nvSpPr>
-          <p:cNvPr id="5" name="Slide Number Placeholder 4"/>
-          <p:cNvSpPr>
-            <a:spLocks noGrp="1"/>
-          </p:cNvSpPr>
-          <p:nvPr>
-            <p:ph type="sldNum" sz="quarter" idx="12"/>
-          </p:nvPr>
-        </p:nvSpPr>
-        <p:spPr/>
-        <p:txBody>
-          <a:bodyPr/>
-          <a:lstStyle/>
-          <a:p>
-            <a:fld id="{B7B2BFA0-F11E-4E2F-9225-9E644028C5D1}" type="slidenum">
-              <a:rPr lang="en-US" smtClean="0"/>
-              <a:t>‹#›</a:t>
-            </a:fld>
-            <a:endParaRPr lang="en-US"/>
-          </a:p>
-        </p:txBody>
-      </p:sp>
-    </p:spTree>
-    <p:extLst>
-      <p:ext uri="{BB962C8B-B14F-4D97-AF65-F5344CB8AC3E}">
-        <p14:creationId xmlns:p14="http://schemas.microsoft.com/office/powerpoint/2010/main" val="1933718870"/>
-      </p:ext>
-    </p:extLst>
-  </p:cSld>
-  <p:clrMapOvr>
-    <a:masterClrMapping/>
-  </p:clrMapOvr>
-</p:sldLayout>
-</file>
-
-<file path=ppt/slideLayouts/slideLayout7.xml><?xml version="1.0" encoding="utf-8"?>
-<p:sldLayout xmlns:a="http://schemas.openxmlformats.org/drawingml/2006/main" xmlns:r="http://schemas.openxmlformats.org/officeDocument/2006/relationships" xmlns:p="http://schemas.openxmlformats.org/presentationml/2006/main" type="blank" preserve="1">
-  <p:cSld name="Blank">
-    <p:spTree>
-      <p:nvGrpSpPr>
-        <p:cNvPr id="1" name=""/>
-        <p:cNvGrpSpPr/>
-        <p:nvPr/>
-      </p:nvGrpSpPr>
-      <p:grpSpPr>
-        <a:xfrm>
-          <a:off x="0" y="0"/>
-          <a:ext cx="0" cy="0"/>
-          <a:chOff x="0" y="0"/>
-          <a:chExt cx="0" cy="0"/>
-        </a:xfrm>
-      </p:grpSpPr>
-      <p:sp>
-        <p:nvSpPr>
-          <p:cNvPr id="2" name="Date Placeholder 1"/>
-          <p:cNvSpPr>
-            <a:spLocks noGrp="1"/>
-          </p:cNvSpPr>
-          <p:nvPr>
-            <p:ph type="dt" sz="half" idx="10"/>
-          </p:nvPr>
-        </p:nvSpPr>
-        <p:spPr/>
-        <p:txBody>
-          <a:bodyPr/>
-          <a:lstStyle/>
-          <a:p>
-            <a:fld id="{D8ED4A12-CF3C-4919-955A-96A1B04E756E}" type="datetimeFigureOut">
-              <a:rPr lang="en-US" smtClean="0"/>
-              <a:t>10/4/2016</a:t>
-            </a:fld>
-            <a:endParaRPr lang="en-US"/>
-          </a:p>
-        </p:txBody>
-      </p:sp>
-      <p:sp>
-        <p:nvSpPr>
-          <p:cNvPr id="3" name="Footer Placeholder 2"/>
-          <p:cNvSpPr>
-            <a:spLocks noGrp="1"/>
-          </p:cNvSpPr>
-          <p:nvPr>
-            <p:ph type="ftr" sz="quarter" idx="11"/>
-          </p:nvPr>
-        </p:nvSpPr>
-        <p:spPr/>
-        <p:txBody>
-          <a:bodyPr/>
-          <a:lstStyle/>
-          <a:p>
-            <a:endParaRPr lang="en-US"/>
-          </a:p>
-        </p:txBody>
-      </p:sp>
-      <p:sp>
-        <p:nvSpPr>
-          <p:cNvPr id="4" name="Slide Number Placeholder 3"/>
-          <p:cNvSpPr>
-            <a:spLocks noGrp="1"/>
-          </p:cNvSpPr>
-          <p:nvPr>
-            <p:ph type="sldNum" sz="quarter" idx="12"/>
-          </p:nvPr>
-        </p:nvSpPr>
-        <p:spPr/>
-        <p:txBody>
-          <a:bodyPr/>
-          <a:lstStyle/>
-          <a:p>
-            <a:fld id="{B7B2BFA0-F11E-4E2F-9225-9E644028C5D1}" type="slidenum">
-              <a:rPr lang="en-US" smtClean="0"/>
-              <a:t>‹#›</a:t>
-            </a:fld>
-            <a:endParaRPr lang="en-US"/>
-          </a:p>
-        </p:txBody>
-      </p:sp>
-    </p:spTree>
-    <p:extLst>
-      <p:ext uri="{BB962C8B-B14F-4D97-AF65-F5344CB8AC3E}">
-        <p14:creationId xmlns:p14="http://schemas.microsoft.com/office/powerpoint/2010/main" val="576447752"/>
-      </p:ext>
-    </p:extLst>
-  </p:cSld>
-  <p:clrMapOvr>
-    <a:masterClrMapping/>
-  </p:clrMapOvr>
-</p:sldLayout>
-</file>
-
-<file path=ppt/slideLayouts/slideLayout8.xml><?xml version="1.0" encoding="utf-8"?>
-<p:sldLayout xmlns:a="http://schemas.openxmlformats.org/drawingml/2006/main" xmlns:r="http://schemas.openxmlformats.org/officeDocument/2006/relationships" xmlns:p="http://schemas.openxmlformats.org/presentationml/2006/main" type="objTx" preserve="1">
-  <p:cSld name="Content with Caption">
-    <p:spTree>
-      <p:nvGrpSpPr>
-        <p:cNvPr id="1" name=""/>
-        <p:cNvGrpSpPr/>
-        <p:nvPr/>
-      </p:nvGrpSpPr>
-      <p:grpSpPr>
-        <a:xfrm>
-          <a:off x="0" y="0"/>
-          <a:ext cx="0" cy="0"/>
-          <a:chOff x="0" y="0"/>
-          <a:chExt cx="0" cy="0"/>
-        </a:xfrm>
-      </p:grpSpPr>
-      <p:sp>
-        <p:nvSpPr>
-          <p:cNvPr id="2" name="Title 1"/>
-          <p:cNvSpPr>
-            <a:spLocks noGrp="1"/>
-          </p:cNvSpPr>
-          <p:nvPr>
-            <p:ph type="title"/>
-          </p:nvPr>
-        </p:nvSpPr>
-        <p:spPr>
-          <a:xfrm>
-            <a:off x="839788" y="457200"/>
-            <a:ext cx="3932237" cy="1600200"/>
-          </a:xfrm>
-        </p:spPr>
-        <p:txBody>
-          <a:bodyPr anchor="b"/>
-          <a:lstStyle>
-            <a:lvl1pPr>
-              <a:defRPr sz="3200"/>
-            </a:lvl1pPr>
-          </a:lstStyle>
-          <a:p>
-            <a:r>
-              <a:rPr lang="en-US" smtClean="0"/>
-              <a:t>Click to edit Master title style</a:t>
-            </a:r>
-            <a:endParaRPr lang="en-US"/>
-          </a:p>
-        </p:txBody>
-      </p:sp>
-      <p:sp>
-        <p:nvSpPr>
-          <p:cNvPr id="3" name="Content Placeholder 2"/>
-          <p:cNvSpPr>
-            <a:spLocks noGrp="1"/>
-          </p:cNvSpPr>
-          <p:nvPr>
-            <p:ph idx="1"/>
-          </p:nvPr>
-        </p:nvSpPr>
-        <p:spPr>
-          <a:xfrm>
-            <a:off x="5183188" y="987425"/>
-            <a:ext cx="6172200" cy="4873625"/>
-          </a:xfrm>
-        </p:spPr>
-        <p:txBody>
-          <a:bodyPr/>
-          <a:lstStyle>
-            <a:lvl1pPr>
-              <a:defRPr sz="3200"/>
-            </a:lvl1pPr>
-            <a:lvl2pPr>
-              <a:defRPr sz="2800"/>
-            </a:lvl2pPr>
-            <a:lvl3pPr>
-              <a:defRPr sz="2400"/>
-            </a:lvl3pPr>
-            <a:lvl4pPr>
-              <a:defRPr sz="2000"/>
-            </a:lvl4pPr>
-            <a:lvl5pPr>
-              <a:defRPr sz="2000"/>
-            </a:lvl5pPr>
-            <a:lvl6pPr>
-              <a:defRPr sz="2000"/>
-            </a:lvl6pPr>
-            <a:lvl7pPr>
-              <a:defRPr sz="2000"/>
-            </a:lvl7pPr>
-            <a:lvl8pPr>
-              <a:defRPr sz="2000"/>
-            </a:lvl8pPr>
-            <a:lvl9pPr>
-              <a:defRPr sz="2000"/>
-            </a:lvl9pPr>
-          </a:lstStyle>
-          <a:p>
-            <a:pPr lvl="0"/>
-            <a:r>
-              <a:rPr lang="en-US" smtClean="0"/>
-              <a:t>Click to edit Master text styles</a:t>
-            </a:r>
-          </a:p>
-          <a:p>
-            <a:pPr lvl="1"/>
-            <a:r>
-              <a:rPr lang="en-US" smtClean="0"/>
-              <a:t>Second level</a:t>
-            </a:r>
-          </a:p>
-          <a:p>
-            <a:pPr lvl="2"/>
-            <a:r>
-              <a:rPr lang="en-US" smtClean="0"/>
-              <a:t>Third level</a:t>
-            </a:r>
-          </a:p>
-          <a:p>
-            <a:pPr lvl="3"/>
-            <a:r>
-              <a:rPr lang="en-US" smtClean="0"/>
-              <a:t>Fourth level</a:t>
-            </a:r>
-          </a:p>
-          <a:p>
-            <a:pPr lvl="4"/>
-            <a:r>
-              <a:rPr lang="en-US" smtClean="0"/>
-              <a:t>Fifth level</a:t>
-            </a:r>
-            <a:endParaRPr lang="en-US"/>
-          </a:p>
-        </p:txBody>
-      </p:sp>
-      <p:sp>
-        <p:nvSpPr>
-          <p:cNvPr id="4" name="Text Placeholder 3"/>
-          <p:cNvSpPr>
-            <a:spLocks noGrp="1"/>
-          </p:cNvSpPr>
-          <p:nvPr>
-            <p:ph type="body" sz="half" idx="2"/>
-          </p:nvPr>
-        </p:nvSpPr>
-        <p:spPr>
-          <a:xfrm>
-            <a:off x="839788" y="2057400"/>
-            <a:ext cx="3932237" cy="3811588"/>
-          </a:xfrm>
-        </p:spPr>
-        <p:txBody>
-          <a:bodyPr/>
-          <a:lstStyle>
-            <a:lvl1pPr marL="0" indent="0">
-              <a:buNone/>
-              <a:defRPr sz="1600"/>
-            </a:lvl1pPr>
-            <a:lvl2pPr marL="457200" indent="0">
-              <a:buNone/>
-              <a:defRPr sz="1400"/>
-            </a:lvl2pPr>
-            <a:lvl3pPr marL="914400" indent="0">
-              <a:buNone/>
-              <a:defRPr sz="1200"/>
-            </a:lvl3pPr>
-            <a:lvl4pPr marL="1371600" indent="0">
-              <a:buNone/>
-              <a:defRPr sz="1000"/>
-            </a:lvl4pPr>
-            <a:lvl5pPr marL="1828800" indent="0">
-              <a:buNone/>
-              <a:defRPr sz="1000"/>
-            </a:lvl5pPr>
-            <a:lvl6pPr marL="2286000" indent="0">
-              <a:buNone/>
-              <a:defRPr sz="1000"/>
-            </a:lvl6pPr>
-            <a:lvl7pPr marL="2743200" indent="0">
-              <a:buNone/>
-              <a:defRPr sz="1000"/>
-            </a:lvl7pPr>
-            <a:lvl8pPr marL="3200400" indent="0">
-              <a:buNone/>
-              <a:defRPr sz="1000"/>
-            </a:lvl8pPr>
-            <a:lvl9pPr marL="3657600" indent="0">
-              <a:buNone/>
-              <a:defRPr sz="1000"/>
-            </a:lvl9pPr>
-          </a:lstStyle>
-          <a:p>
-            <a:pPr lvl="0"/>
-            <a:r>
-              <a:rPr lang="en-US" smtClean="0"/>
-              <a:t>Click to edit Master text styles</a:t>
-            </a:r>
-          </a:p>
-        </p:txBody>
-      </p:sp>
-      <p:sp>
-        <p:nvSpPr>
-          <p:cNvPr id="5" name="Date Placeholder 4"/>
-          <p:cNvSpPr>
-            <a:spLocks noGrp="1"/>
-          </p:cNvSpPr>
-          <p:nvPr>
-            <p:ph type="dt" sz="half" idx="10"/>
-          </p:nvPr>
-        </p:nvSpPr>
-        <p:spPr/>
-        <p:txBody>
-          <a:bodyPr/>
-          <a:lstStyle/>
-          <a:p>
-            <a:fld id="{D8ED4A12-CF3C-4919-955A-96A1B04E756E}" type="datetimeFigureOut">
-              <a:rPr lang="en-US" smtClean="0"/>
-              <a:t>10/4/2016</a:t>
-            </a:fld>
-            <a:endParaRPr lang="en-US"/>
-          </a:p>
-        </p:txBody>
-      </p:sp>
-      <p:sp>
-        <p:nvSpPr>
-          <p:cNvPr id="6" name="Footer Placeholder 5"/>
-          <p:cNvSpPr>
-            <a:spLocks noGrp="1"/>
-          </p:cNvSpPr>
-          <p:nvPr>
-            <p:ph type="ftr" sz="quarter" idx="11"/>
-          </p:nvPr>
-        </p:nvSpPr>
-        <p:spPr/>
-        <p:txBody>
-          <a:bodyPr/>
-          <a:lstStyle/>
-          <a:p>
-            <a:endParaRPr lang="en-US"/>
-          </a:p>
-        </p:txBody>
-      </p:sp>
-      <p:sp>
-        <p:nvSpPr>
-          <p:cNvPr id="7" name="Slide Number Placeholder 6"/>
-          <p:cNvSpPr>
-            <a:spLocks noGrp="1"/>
-          </p:cNvSpPr>
-          <p:nvPr>
-            <p:ph type="sldNum" sz="quarter" idx="12"/>
-          </p:nvPr>
-        </p:nvSpPr>
-        <p:spPr/>
-        <p:txBody>
-          <a:bodyPr/>
-          <a:lstStyle/>
-          <a:p>
-            <a:fld id="{B7B2BFA0-F11E-4E2F-9225-9E644028C5D1}" type="slidenum">
-              <a:rPr lang="en-US" smtClean="0"/>
-              <a:t>‹#›</a:t>
-            </a:fld>
-            <a:endParaRPr lang="en-US"/>
-          </a:p>
-        </p:txBody>
-      </p:sp>
-    </p:spTree>
-    <p:extLst>
-      <p:ext uri="{BB962C8B-B14F-4D97-AF65-F5344CB8AC3E}">
-        <p14:creationId xmlns:p14="http://schemas.microsoft.com/office/powerpoint/2010/main" val="2296090337"/>
-      </p:ext>
-    </p:extLst>
-  </p:cSld>
-  <p:clrMapOvr>
-    <a:masterClrMapping/>
-  </p:clrMapOvr>
-</p:sldLayout>
-</file>
-
-<file path=ppt/slideLayouts/slideLayout9.xml><?xml version="1.0" encoding="utf-8"?>
-<p:sldLayout xmlns:a="http://schemas.openxmlformats.org/drawingml/2006/main" xmlns:r="http://schemas.openxmlformats.org/officeDocument/2006/relationships" xmlns:p="http://schemas.openxmlformats.org/presentationml/2006/main" type="picTx" preserve="1">
-  <p:cSld name="Picture with Caption">
-    <p:spTree>
-      <p:nvGrpSpPr>
-        <p:cNvPr id="1" name=""/>
-        <p:cNvGrpSpPr/>
-        <p:nvPr/>
-      </p:nvGrpSpPr>
-      <p:grpSpPr>
-        <a:xfrm>
-          <a:off x="0" y="0"/>
-          <a:ext cx="0" cy="0"/>
-          <a:chOff x="0" y="0"/>
-          <a:chExt cx="0" cy="0"/>
-        </a:xfrm>
-      </p:grpSpPr>
-      <p:sp>
-        <p:nvSpPr>
-          <p:cNvPr id="2" name="Title 1"/>
-          <p:cNvSpPr>
-            <a:spLocks noGrp="1"/>
-          </p:cNvSpPr>
-          <p:nvPr>
-            <p:ph type="title"/>
-          </p:nvPr>
-        </p:nvSpPr>
-        <p:spPr>
-          <a:xfrm>
-            <a:off x="839788" y="457200"/>
-            <a:ext cx="3932237" cy="1600200"/>
-          </a:xfrm>
-        </p:spPr>
-        <p:txBody>
-          <a:bodyPr anchor="b"/>
-          <a:lstStyle>
-            <a:lvl1pPr>
-              <a:defRPr sz="3200"/>
-            </a:lvl1pPr>
-          </a:lstStyle>
-          <a:p>
-            <a:r>
-              <a:rPr lang="en-US" smtClean="0"/>
-              <a:t>Click to edit Master title style</a:t>
-            </a:r>
-            <a:endParaRPr lang="en-US"/>
-          </a:p>
-        </p:txBody>
-      </p:sp>
-      <p:sp>
-        <p:nvSpPr>
-          <p:cNvPr id="3" name="Picture Placeholder 2"/>
-          <p:cNvSpPr>
-            <a:spLocks noGrp="1"/>
-          </p:cNvSpPr>
-          <p:nvPr>
-            <p:ph type="pic" idx="1"/>
-          </p:nvPr>
-        </p:nvSpPr>
-        <p:spPr>
-          <a:xfrm>
-            <a:off x="5183188" y="987425"/>
-            <a:ext cx="6172200" cy="4873625"/>
-          </a:xfrm>
-        </p:spPr>
-        <p:txBody>
-          <a:bodyPr/>
-          <a:lstStyle>
-            <a:lvl1pPr marL="0" indent="0">
-              <a:buNone/>
-              <a:defRPr sz="3200"/>
-            </a:lvl1pPr>
-            <a:lvl2pPr marL="457200" indent="0">
-              <a:buNone/>
-              <a:defRPr sz="2800"/>
-            </a:lvl2pPr>
-            <a:lvl3pPr marL="914400" indent="0">
-              <a:buNone/>
-              <a:defRPr sz="2400"/>
-            </a:lvl3pPr>
-            <a:lvl4pPr marL="1371600" indent="0">
-              <a:buNone/>
-              <a:defRPr sz="2000"/>
-            </a:lvl4pPr>
-            <a:lvl5pPr marL="1828800" indent="0">
-              <a:buNone/>
-              <a:defRPr sz="2000"/>
-            </a:lvl5pPr>
-            <a:lvl6pPr marL="2286000" indent="0">
-              <a:buNone/>
-              <a:defRPr sz="2000"/>
-            </a:lvl6pPr>
-            <a:lvl7pPr marL="2743200" indent="0">
-              <a:buNone/>
-              <a:defRPr sz="2000"/>
-            </a:lvl7pPr>
-            <a:lvl8pPr marL="3200400" indent="0">
-              <a:buNone/>
-              <a:defRPr sz="2000"/>
-            </a:lvl8pPr>
-            <a:lvl9pPr marL="3657600" indent="0">
-              <a:buNone/>
-              <a:defRPr sz="2000"/>
-            </a:lvl9pPr>
-          </a:lstStyle>
-          <a:p>
-            <a:endParaRPr lang="en-US"/>
-          </a:p>
-        </p:txBody>
-      </p:sp>
-      <p:sp>
-        <p:nvSpPr>
-          <p:cNvPr id="4" name="Text Placeholder 3"/>
-          <p:cNvSpPr>
-            <a:spLocks noGrp="1"/>
-          </p:cNvSpPr>
-          <p:nvPr>
-            <p:ph type="body" sz="half" idx="2"/>
-          </p:nvPr>
-        </p:nvSpPr>
-        <p:spPr>
-          <a:xfrm>
-            <a:off x="839788" y="2057400"/>
-            <a:ext cx="3932237" cy="3811588"/>
-          </a:xfrm>
-        </p:spPr>
-        <p:txBody>
-          <a:bodyPr/>
-          <a:lstStyle>
-            <a:lvl1pPr marL="0" indent="0">
-              <a:buNone/>
-              <a:defRPr sz="1600"/>
-            </a:lvl1pPr>
-            <a:lvl2pPr marL="457200" indent="0">
-              <a:buNone/>
-              <a:defRPr sz="1400"/>
-            </a:lvl2pPr>
-            <a:lvl3pPr marL="914400" indent="0">
-              <a:buNone/>
-              <a:defRPr sz="1200"/>
-            </a:lvl3pPr>
-            <a:lvl4pPr marL="1371600" indent="0">
-              <a:buNone/>
-              <a:defRPr sz="1000"/>
-            </a:lvl4pPr>
-            <a:lvl5pPr marL="1828800" indent="0">
-              <a:buNone/>
-              <a:defRPr sz="1000"/>
-            </a:lvl5pPr>
-            <a:lvl6pPr marL="2286000" indent="0">
-              <a:buNone/>
-              <a:defRPr sz="1000"/>
-            </a:lvl6pPr>
-            <a:lvl7pPr marL="2743200" indent="0">
-              <a:buNone/>
-              <a:defRPr sz="1000"/>
-            </a:lvl7pPr>
-            <a:lvl8pPr marL="3200400" indent="0">
-              <a:buNone/>
-              <a:defRPr sz="1000"/>
-            </a:lvl8pPr>
-            <a:lvl9pPr marL="3657600" indent="0">
-              <a:buNone/>
-              <a:defRPr sz="1000"/>
-            </a:lvl9pPr>
-          </a:lstStyle>
-          <a:p>
-            <a:pPr lvl="0"/>
-            <a:r>
-              <a:rPr lang="en-US" smtClean="0"/>
-              <a:t>Click to edit Master text styles</a:t>
-            </a:r>
-          </a:p>
-        </p:txBody>
-      </p:sp>
-      <p:sp>
-        <p:nvSpPr>
-          <p:cNvPr id="5" name="Date Placeholder 4"/>
-          <p:cNvSpPr>
-            <a:spLocks noGrp="1"/>
-          </p:cNvSpPr>
-          <p:nvPr>
-            <p:ph type="dt" sz="half" idx="10"/>
-          </p:nvPr>
-        </p:nvSpPr>
-        <p:spPr/>
-        <p:txBody>
-          <a:bodyPr/>
-          <a:lstStyle/>
-          <a:p>
-            <a:fld id="{D8ED4A12-CF3C-4919-955A-96A1B04E756E}" type="datetimeFigureOut">
-              <a:rPr lang="en-US" smtClean="0"/>
-              <a:t>10/4/2016</a:t>
-            </a:fld>
-            <a:endParaRPr lang="en-US"/>
-          </a:p>
-        </p:txBody>
-      </p:sp>
-      <p:sp>
-        <p:nvSpPr>
-          <p:cNvPr id="6" name="Footer Placeholder 5"/>
-          <p:cNvSpPr>
-            <a:spLocks noGrp="1"/>
-          </p:cNvSpPr>
-          <p:nvPr>
-            <p:ph type="ftr" sz="quarter" idx="11"/>
-          </p:nvPr>
-        </p:nvSpPr>
-        <p:spPr/>
-        <p:txBody>
-          <a:bodyPr/>
-          <a:lstStyle/>
-          <a:p>
-            <a:endParaRPr lang="en-US"/>
-          </a:p>
-        </p:txBody>
-      </p:sp>
-      <p:sp>
-        <p:nvSpPr>
-          <p:cNvPr id="7" name="Slide Number Placeholder 6"/>
-          <p:cNvSpPr>
-            <a:spLocks noGrp="1"/>
-          </p:cNvSpPr>
-          <p:nvPr>
-            <p:ph type="sldNum" sz="quarter" idx="12"/>
-          </p:nvPr>
-        </p:nvSpPr>
-        <p:spPr/>
-        <p:txBody>
-          <a:bodyPr/>
-          <a:lstStyle/>
-          <a:p>
-            <a:fld id="{B7B2BFA0-F11E-4E2F-9225-9E644028C5D1}" type="slidenum">
-              <a:rPr lang="en-US" smtClean="0"/>
-              <a:t>‹#›</a:t>
-            </a:fld>
-            <a:endParaRPr lang="en-US"/>
-          </a:p>
-        </p:txBody>
-      </p:sp>
-    </p:spTree>
-    <p:extLst>
-      <p:ext uri="{BB962C8B-B14F-4D97-AF65-F5344CB8AC3E}">
-        <p14:creationId xmlns:p14="http://schemas.microsoft.com/office/powerpoint/2010/main" val="4175212480"/>
-      </p:ext>
-    </p:extLst>
-  </p:cSld>
-  <p:clrMapOvr>
-    <a:masterClrMapping/>
-  </p:clrMapOvr>
-</p:sldLayout>
-</file>
-
 <file path=ppt/slideMasters/slideMaster1.xml><?xml version="1.0" encoding="utf-8"?>
-<p:sldMaster xmlns:a="http://schemas.openxmlformats.org/drawingml/2006/main" xmlns:r="http://schemas.openxmlformats.org/officeDocument/2006/relationships" xmlns:p="http://schemas.openxmlformats.org/presentationml/2006/main">
-  <p:cSld>
-    <p:bg>
-      <p:bgRef idx="1001">
-        <a:schemeClr val="bg1"/>
-      </p:bgRef>
-    </p:bg>
-    <p:spTree>
-      <p:nvGrpSpPr>
-        <p:cNvPr id="1" name=""/>
-        <p:cNvGrpSpPr/>
-        <p:nvPr/>
-      </p:nvGrpSpPr>
-      <p:grpSpPr>
-        <a:xfrm>
-          <a:off x="0" y="0"/>
-          <a:ext cx="0" cy="0"/>
-          <a:chOff x="0" y="0"/>
-          <a:chExt cx="0" cy="0"/>
-        </a:xfrm>
-      </p:grpSpPr>
-      <p:sp>
-        <p:nvSpPr>
-          <p:cNvPr id="2" name="Title Placeholder 1"/>
-          <p:cNvSpPr>
-            <a:spLocks noGrp="1"/>
-          </p:cNvSpPr>
-          <p:nvPr>
-            <p:ph type="title"/>
-          </p:nvPr>
-        </p:nvSpPr>
-        <p:spPr>
-          <a:xfrm>
-            <a:off x="838200" y="365125"/>
-            <a:ext cx="10515600" cy="1325563"/>
-          </a:xfrm>
-          <a:prstGeom prst="rect">
-            <a:avLst/>
-          </a:prstGeom>
-        </p:spPr>
-        <p:txBody>
-          <a:bodyPr vert="horz" lIns="91440" tIns="45720" rIns="91440" bIns="45720" rtlCol="0" anchor="ctr">
-            <a:normAutofit/>
-          </a:bodyPr>
-          <a:lstStyle/>
-          <a:p>
-            <a:r>
-              <a:rPr lang="en-US" smtClean="0"/>
-              <a:t>Click to edit Master title style</a:t>
-            </a:r>
-            <a:endParaRPr lang="en-US"/>
-          </a:p>
-        </p:txBody>
-      </p:sp>
-      <p:sp>
-        <p:nvSpPr>
-          <p:cNvPr id="3" name="Text Placeholder 2"/>
-          <p:cNvSpPr>
-            <a:spLocks noGrp="1"/>
-          </p:cNvSpPr>
-          <p:nvPr>
-            <p:ph type="body" idx="1"/>
-          </p:nvPr>
-        </p:nvSpPr>
-        <p:spPr>
-          <a:xfrm>
-            <a:off x="838200" y="1825625"/>
-            <a:ext cx="10515600" cy="4351338"/>
-          </a:xfrm>
-          <a:prstGeom prst="rect">
-            <a:avLst/>
-          </a:prstGeom>
-        </p:spPr>
-        <p:txBody>
-          <a:bodyPr vert="horz" lIns="91440" tIns="45720" rIns="91440" bIns="45720" rtlCol="0">
-            <a:normAutofit/>
-          </a:bodyPr>
-          <a:lstStyle/>
-          <a:p>
-            <a:pPr lvl="0"/>
-            <a:r>
-              <a:rPr lang="en-US" smtClean="0"/>
-              <a:t>Click to edit Master text styles</a:t>
-            </a:r>
-          </a:p>
-          <a:p>
-            <a:pPr lvl="1"/>
-            <a:r>
-              <a:rPr lang="en-US" smtClean="0"/>
-              <a:t>Second level</a:t>
-            </a:r>
-          </a:p>
-          <a:p>
-            <a:pPr lvl="2"/>
-            <a:r>
-              <a:rPr lang="en-US" smtClean="0"/>
-              <a:t>Third level</a:t>
-            </a:r>
-          </a:p>
-          <a:p>
-            <a:pPr lvl="3"/>
-            <a:r>
-              <a:rPr lang="en-US" smtClean="0"/>
-              <a:t>Fourth level</a:t>
-            </a:r>
-          </a:p>
-          <a:p>
-            <a:pPr lvl="4"/>
-            <a:r>
-              <a:rPr lang="en-US" smtClean="0"/>
-              <a:t>Fifth level</a:t>
-            </a:r>
-            <a:endParaRPr lang="en-US"/>
-          </a:p>
-        </p:txBody>
-      </p:sp>
-      <p:sp>
-        <p:nvSpPr>
-          <p:cNvPr id="4" name="Date Placeholder 3"/>
-          <p:cNvSpPr>
-            <a:spLocks noGrp="1"/>
-          </p:cNvSpPr>
-          <p:nvPr>
-            <p:ph type="dt" sz="half" idx="2"/>
-          </p:nvPr>
-        </p:nvSpPr>
-        <p:spPr>
-          <a:xfrm>
-            <a:off x="838200" y="6356350"/>
-            <a:ext cx="2743200" cy="365125"/>
-          </a:xfrm>
-          <a:prstGeom prst="rect">
-            <a:avLst/>
-          </a:prstGeom>
-        </p:spPr>
-        <p:txBody>
-          <a:bodyPr vert="horz" lIns="91440" tIns="45720" rIns="91440" bIns="45720" rtlCol="0" anchor="ctr"/>
-          <a:lstStyle>
-            <a:lvl1pPr algn="l">
-              <a:defRPr sz="1200">
-                <a:solidFill>
-                  <a:schemeClr val="tx1">
-                    <a:tint val="75000"/>
-                  </a:schemeClr>
-                </a:solidFill>
-              </a:defRPr>
-            </a:lvl1pPr>
-          </a:lstStyle>
-          <a:p>
-            <a:fld id="{D8ED4A12-CF3C-4919-955A-96A1B04E756E}" type="datetimeFigureOut">
-              <a:rPr lang="en-US" smtClean="0"/>
-              <a:t>10/4/2016</a:t>
-            </a:fld>
-            <a:endParaRPr lang="en-US"/>
-          </a:p>
-        </p:txBody>
-      </p:sp>
-      <p:sp>
-        <p:nvSpPr>
-          <p:cNvPr id="5" name="Footer Placeholder 4"/>
-          <p:cNvSpPr>
-            <a:spLocks noGrp="1"/>
-          </p:cNvSpPr>
-          <p:nvPr>
-            <p:ph type="ftr" sz="quarter" idx="3"/>
-          </p:nvPr>
-        </p:nvSpPr>
-        <p:spPr>
-          <a:xfrm>
-            <a:off x="4038600" y="6356350"/>
-            <a:ext cx="4114800" cy="365125"/>
-          </a:xfrm>
-          <a:prstGeom prst="rect">
-            <a:avLst/>
-          </a:prstGeom>
-        </p:spPr>
-        <p:txBody>
-          <a:bodyPr vert="horz" lIns="91440" tIns="45720" rIns="91440" bIns="45720" rtlCol="0" anchor="ctr"/>
-          <a:lstStyle>
-            <a:lvl1pPr algn="ctr">
-              <a:defRPr sz="1200">
-                <a:solidFill>
-                  <a:schemeClr val="tx1">
-                    <a:tint val="75000"/>
-                  </a:schemeClr>
-                </a:solidFill>
-              </a:defRPr>
-            </a:lvl1pPr>
-          </a:lstStyle>
-          <a:p>
-            <a:endParaRPr lang="en-US"/>
-          </a:p>
-        </p:txBody>
-      </p:sp>
-      <p:sp>
-        <p:nvSpPr>
-          <p:cNvPr id="6" name="Slide Number Placeholder 5"/>
-          <p:cNvSpPr>
-            <a:spLocks noGrp="1"/>
-          </p:cNvSpPr>
-          <p:nvPr>
-            <p:ph type="sldNum" sz="quarter" idx="4"/>
-          </p:nvPr>
-        </p:nvSpPr>
-        <p:spPr>
-          <a:xfrm>
-            <a:off x="8610600" y="6356350"/>
-            <a:ext cx="2743200" cy="365125"/>
-          </a:xfrm>
-          <a:prstGeom prst="rect">
-            <a:avLst/>
-          </a:prstGeom>
-        </p:spPr>
-        <p:txBody>
-          <a:bodyPr vert="horz" lIns="91440" tIns="45720" rIns="91440" bIns="45720" rtlCol="0" anchor="ctr"/>
-          <a:lstStyle>
-            <a:lvl1pPr algn="r">
-              <a:defRPr sz="1200">
-                <a:solidFill>
-                  <a:schemeClr val="tx1">
-                    <a:tint val="75000"/>
-                  </a:schemeClr>
-                </a:solidFill>
-              </a:defRPr>
-            </a:lvl1pPr>
-          </a:lstStyle>
-          <a:p>
-            <a:fld id="{B7B2BFA0-F11E-4E2F-9225-9E644028C5D1}" type="slidenum">
-              <a:rPr lang="en-US" smtClean="0"/>
-              <a:t>‹#›</a:t>
-            </a:fld>
-            <a:endParaRPr lang="en-US"/>
-          </a:p>
-        </p:txBody>
-      </p:sp>
-    </p:spTree>
-    <p:extLst>
-      <p:ext uri="{BB962C8B-B14F-4D97-AF65-F5344CB8AC3E}">
-        <p14:creationId xmlns:p14="http://schemas.microsoft.com/office/powerpoint/2010/main" val="3619568381"/>
-      </p:ext>
-    </p:extLst>
-  </p:cSld>
-  <p:clrMap bg1="lt1" tx1="dk1" bg2="lt2" tx2="dk2" accent1="accent1" accent2="accent2" accent3="accent3" accent4="accent4" accent5="accent5" accent6="accent6" hlink="hlink" folHlink="folHlink"/>
-  <p:sldLayoutIdLst>
-    <p:sldLayoutId id="2147483649" r:id="rId1"/>
-    <p:sldLayoutId id="2147483650" r:id="rId2"/>
-    <p:sldLayoutId id="2147483651" r:id="rId3"/>
-    <p:sldLayoutId id="2147483652" r:id="rId4"/>
-    <p:sldLayoutId id="2147483653" r:id="rId5"/>
-    <p:sldLayoutId id="2147483654" r:id="rId6"/>
-    <p:sldLayoutId id="2147483655" r:id="rId7"/>
-    <p:sldLayoutId id="2147483656" r:id="rId8"/>
-    <p:sldLayoutId id="2147483657" r:id="rId9"/>
-    <p:sldLayoutId id="2147483658" r:id="rId10"/>
-    <p:sldLayoutId id="2147483659" r:id="rId11"/>
-  </p:sldLayoutIdLst>
-  <p:txStyles>
-    <p:titleStyle>
-      <a:lvl1pPr algn="l" defTabSz="914400" rtl="0" eaLnBrk="1" latinLnBrk="0" hangingPunct="1">
-        <a:lnSpc>
-          <a:spcPct val="90000"/>
-        </a:lnSpc>
-        <a:spcBef>
-          <a:spcPct val="0"/>
-        </a:spcBef>
-        <a:buNone/>
-        <a:defRPr sz="4400" kern="1200">
-          <a:solidFill>
-            <a:schemeClr val="tx1"/>
-          </a:solidFill>
-          <a:latin typeface="+mj-lt"/>
-          <a:ea typeface="+mj-ea"/>
-          <a:cs typeface="+mj-cs"/>
-        </a:defRPr>
-      </a:lvl1pPr>
-    </p:titleStyle>
-    <p:bodyStyle>
-      <a:lvl1pPr marL="228600" indent="-228600" algn="l" defTabSz="914400" rtl="0" eaLnBrk="1" latinLnBrk="0" hangingPunct="1">
-        <a:lnSpc>
-          <a:spcPct val="90000"/>
-        </a:lnSpc>
-        <a:spcBef>
-          <a:spcPts val="1000"/>
-        </a:spcBef>
-        <a:buFont typeface="Arial" panose="020B0604020202020204" pitchFamily="34" charset="0"/>
-        <a:buChar char="•"/>
-        <a:defRPr sz="2800" kern="1200">
-          <a:solidFill>
-            <a:schemeClr val="tx1"/>
-          </a:solidFill>
-          <a:latin typeface="+mn-lt"/>
-          <a:ea typeface="+mn-ea"/>
-          <a:cs typeface="+mn-cs"/>
-        </a:defRPr>
-      </a:lvl1pPr>
-      <a:lvl2pPr marL="685800" indent="-228600" algn="l" defTabSz="914400" rtl="0" eaLnBrk="1" latinLnBrk="0" hangingPunct="1">
-        <a:lnSpc>
-          <a:spcPct val="90000"/>
-        </a:lnSpc>
-        <a:spcBef>
-          <a:spcPts val="500"/>
-        </a:spcBef>
-        <a:buFont typeface="Arial" panose="020B0604020202020204" pitchFamily="34" charset="0"/>
-        <a:buChar char="•"/>
-        <a:defRPr sz="2400" kern="1200">
-          <a:solidFill>
-            <a:schemeClr val="tx1"/>
-          </a:solidFill>
-          <a:latin typeface="+mn-lt"/>
-          <a:ea typeface="+mn-ea"/>
-          <a:cs typeface="+mn-cs"/>
-        </a:defRPr>
-      </a:lvl2pPr>
-      <a:lvl3pPr marL="1143000" indent="-228600" algn="l" defTabSz="914400" rtl="0" eaLnBrk="1" latinLnBrk="0" hangingPunct="1">
-        <a:lnSpc>
-          <a:spcPct val="90000"/>
-        </a:lnSpc>
-        <a:spcBef>
-          <a:spcPts val="500"/>
-        </a:spcBef>
-        <a:buFont typeface="Arial" panose="020B0604020202020204" pitchFamily="34" charset="0"/>
-        <a:buChar char="•"/>
-        <a:defRPr sz="2000" kern="1200">
-          <a:solidFill>
-            <a:schemeClr val="tx1"/>
-          </a:solidFill>
-          <a:latin typeface="+mn-lt"/>
-          <a:ea typeface="+mn-ea"/>
-          <a:cs typeface="+mn-cs"/>
-        </a:defRPr>
-      </a:lvl3pPr>
-      <a:lvl4pPr marL="1600200" indent="-228600" algn="l" defTabSz="914400" rtl="0" eaLnBrk="1" latinLnBrk="0" hangingPunct="1">
-        <a:lnSpc>
-          <a:spcPct val="90000"/>
-        </a:lnSpc>
-        <a:spcBef>
-          <a:spcPts val="500"/>
-        </a:spcBef>
-        <a:buFont typeface="Arial" panose="020B0604020202020204" pitchFamily="34" charset="0"/>
-        <a:buChar char="•"/>
-        <a:defRPr sz="1800" kern="1200">
-          <a:solidFill>
-            <a:schemeClr val="tx1"/>
-          </a:solidFill>
-          <a:latin typeface="+mn-lt"/>
-          <a:ea typeface="+mn-ea"/>
-          <a:cs typeface="+mn-cs"/>
-        </a:defRPr>
-      </a:lvl4pPr>
-      <a:lvl5pPr marL="2057400" indent="-228600" algn="l" defTabSz="914400" rtl="0" eaLnBrk="1" latinLnBrk="0" hangingPunct="1">
-        <a:lnSpc>
-          <a:spcPct val="90000"/>
-        </a:lnSpc>
-        <a:spcBef>
-          <a:spcPts val="500"/>
-        </a:spcBef>
-        <a:buFont typeface="Arial" panose="020B0604020202020204" pitchFamily="34" charset="0"/>
-        <a:buChar char="•"/>
-        <a:defRPr sz="1800" kern="1200">
-          <a:solidFill>
-            <a:schemeClr val="tx1"/>
-          </a:solidFill>
-          <a:latin typeface="+mn-lt"/>
-          <a:ea typeface="+mn-ea"/>
-          <a:cs typeface="+mn-cs"/>
-        </a:defRPr>
-      </a:lvl5pPr>
-      <a:lvl6pPr marL="2514600" indent="-228600" algn="l" defTabSz="914400" rtl="0" eaLnBrk="1" latinLnBrk="0" hangingPunct="1">
-        <a:lnSpc>
-          <a:spcPct val="90000"/>
-        </a:lnSpc>
-        <a:spcBef>
-          <a:spcPts val="500"/>
-        </a:spcBef>
-        <a:buFont typeface="Arial" panose="020B0604020202020204" pitchFamily="34" charset="0"/>
-        <a:buChar char="•"/>
-        <a:defRPr sz="1800" kern="1200">
-          <a:solidFill>
-            <a:schemeClr val="tx1"/>
-          </a:solidFill>
-          <a:latin typeface="+mn-lt"/>
-          <a:ea typeface="+mn-ea"/>
-          <a:cs typeface="+mn-cs"/>
-        </a:defRPr>
-      </a:lvl6pPr>
-      <a:lvl7pPr marL="2971800" indent="-228600" algn="l" defTabSz="914400" rtl="0" eaLnBrk="1" latinLnBrk="0" hangingPunct="1">
-        <a:lnSpc>
-          <a:spcPct val="90000"/>
-        </a:lnSpc>
-        <a:spcBef>
-          <a:spcPts val="500"/>
-        </a:spcBef>
-        <a:buFont typeface="Arial" panose="020B0604020202020204" pitchFamily="34" charset="0"/>
-        <a:buChar char="•"/>
-        <a:defRPr sz="1800" kern="1200">
-          <a:solidFill>
-            <a:schemeClr val="tx1"/>
-          </a:solidFill>
-          <a:latin typeface="+mn-lt"/>
-          <a:ea typeface="+mn-ea"/>
-          <a:cs typeface="+mn-cs"/>
-        </a:defRPr>
-      </a:lvl7pPr>
-      <a:lvl8pPr marL="3429000" indent="-228600" algn="l" defTabSz="914400" rtl="0" eaLnBrk="1" latinLnBrk="0" hangingPunct="1">
-        <a:lnSpc>
-          <a:spcPct val="90000"/>
-        </a:lnSpc>
-        <a:spcBef>
-          <a:spcPts val="500"/>
-        </a:spcBef>
-        <a:buFont typeface="Arial" panose="020B0604020202020204" pitchFamily="34" charset="0"/>
-        <a:buChar char="•"/>
-        <a:defRPr sz="1800" kern="1200">
-          <a:solidFill>
-            <a:schemeClr val="tx1"/>
-          </a:solidFill>
-          <a:latin typeface="+mn-lt"/>
-          <a:ea typeface="+mn-ea"/>
-          <a:cs typeface="+mn-cs"/>
-        </a:defRPr>
-      </a:lvl8pPr>
-      <a:lvl9pPr marL="3886200" indent="-228600" algn="l" defTabSz="914400" rtl="0" eaLnBrk="1" latinLnBrk="0" hangingPunct="1">
-        <a:lnSpc>
-          <a:spcPct val="90000"/>
-        </a:lnSpc>
-        <a:spcBef>
-          <a:spcPts val="500"/>
-        </a:spcBef>
-        <a:buFont typeface="Arial" panose="020B0604020202020204" pitchFamily="34" charset="0"/>
-        <a:buChar char="•"/>
-        <a:defRPr sz="1800" kern="1200">
-          <a:solidFill>
-            <a:schemeClr val="tx1"/>
-          </a:solidFill>
-          <a:latin typeface="+mn-lt"/>
-          <a:ea typeface="+mn-ea"/>
-          <a:cs typeface="+mn-cs"/>
-        </a:defRPr>
-      </a:lvl9pPr>
-    </p:bodyStyle>
-    <p:otherStyle>
-      <a:defPPr>
-        <a:defRPr lang="en-US"/>
-      </a:defPPr>
-      <a:lvl1pPr marL="0" algn="l" defTabSz="914400" rtl="0" eaLnBrk="1" latinLnBrk="0" hangingPunct="1">
-        <a:defRPr sz="1800" kern="1200">
-          <a:solidFill>
-            <a:schemeClr val="tx1"/>
-          </a:solidFill>
-          <a:latin typeface="+mn-lt"/>
-          <a:ea typeface="+mn-ea"/>
-          <a:cs typeface="+mn-cs"/>
-        </a:defRPr>
-      </a:lvl1pPr>
-      <a:lvl2pPr marL="457200" algn="l" defTabSz="914400" rtl="0" eaLnBrk="1" latinLnBrk="0" hangingPunct="1">
-        <a:defRPr sz="1800" kern="1200">
-          <a:solidFill>
-            <a:schemeClr val="tx1"/>
-          </a:solidFill>
-          <a:latin typeface="+mn-lt"/>
-          <a:ea typeface="+mn-ea"/>
-          <a:cs typeface="+mn-cs"/>
-        </a:defRPr>
-      </a:lvl2pPr>
-      <a:lvl3pPr marL="914400" algn="l" defTabSz="914400" rtl="0" eaLnBrk="1" latinLnBrk="0" hangingPunct="1">
-        <a:defRPr sz="1800" kern="1200">
-          <a:solidFill>
-            <a:schemeClr val="tx1"/>
-          </a:solidFill>
-          <a:latin typeface="+mn-lt"/>
-          <a:ea typeface="+mn-ea"/>
-          <a:cs typeface="+mn-cs"/>
-        </a:defRPr>
-      </a:lvl3pPr>
-      <a:lvl4pPr marL="1371600" algn="l" defTabSz="914400" rtl="0" eaLnBrk="1" latinLnBrk="0" hangingPunct="1">
-        <a:defRPr sz="1800" kern="1200">
-          <a:solidFill>
-            <a:schemeClr val="tx1"/>
-          </a:solidFill>
-          <a:latin typeface="+mn-lt"/>
-          <a:ea typeface="+mn-ea"/>
-          <a:cs typeface="+mn-cs"/>
-        </a:defRPr>
-      </a:lvl4pPr>
-      <a:lvl5pPr marL="1828800" algn="l" defTabSz="914400" rtl="0" eaLnBrk="1" latinLnBrk="0" hangingPunct="1">
-        <a:defRPr sz="1800" kern="1200">
-          <a:solidFill>
-            <a:schemeClr val="tx1"/>
-          </a:solidFill>
-          <a:latin typeface="+mn-lt"/>
-          <a:ea typeface="+mn-ea"/>
-          <a:cs typeface="+mn-cs"/>
-        </a:defRPr>
-      </a:lvl5pPr>
-      <a:lvl6pPr marL="2286000" algn="l" defTabSz="914400" rtl="0" eaLnBrk="1" latinLnBrk="0" hangingPunct="1">
-        <a:defRPr sz="1800" kern="1200">
-          <a:solidFill>
-            <a:schemeClr val="tx1"/>
-          </a:solidFill>
-          <a:latin typeface="+mn-lt"/>
-          <a:ea typeface="+mn-ea"/>
-          <a:cs typeface="+mn-cs"/>
-        </a:defRPr>
-      </a:lvl6pPr>
-      <a:lvl7pPr marL="2743200" algn="l" defTabSz="914400" rtl="0" eaLnBrk="1" latinLnBrk="0" hangingPunct="1">
-        <a:defRPr sz="1800" kern="1200">
-          <a:solidFill>
-            <a:schemeClr val="tx1"/>
-          </a:solidFill>
-          <a:latin typeface="+mn-lt"/>
-          <a:ea typeface="+mn-ea"/>
-          <a:cs typeface="+mn-cs"/>
-        </a:defRPr>
-      </a:lvl7pPr>
-      <a:lvl8pPr marL="3200400" algn="l" defTabSz="914400" rtl="0" eaLnBrk="1" latinLnBrk="0" hangingPunct="1">
-        <a:defRPr sz="1800" kern="1200">
-          <a:solidFill>
-            <a:schemeClr val="tx1"/>
-          </a:solidFill>
-          <a:latin typeface="+mn-lt"/>
-          <a:ea typeface="+mn-ea"/>
-          <a:cs typeface="+mn-cs"/>
-        </a:defRPr>
-      </a:lvl8pPr>
-      <a:lvl9pPr marL="3657600" algn="l" defTabSz="914400" rtl="0" eaLnBrk="1" latinLnBrk="0" hangingPunct="1">
-        <a:defRPr sz="1800" kern="1200">
-          <a:solidFill>
-            <a:schemeClr val="tx1"/>
-          </a:solidFill>
-          <a:latin typeface="+mn-lt"/>
-          <a:ea typeface="+mn-ea"/>
-          <a:cs typeface="+mn-cs"/>
-        </a:defRPr>
-      </a:lvl9pPr>
-    </p:otherStyle>
-  </p:txStyles>
-</p:sldMaster>
-</file>
-
-<file path=ppt/slideMasters/slideMaster2.xml><?xml version="1.0" encoding="utf-8"?>
 <p:sldMaster xmlns:a="http://schemas.openxmlformats.org/drawingml/2006/main" xmlns:r="http://schemas.openxmlformats.org/officeDocument/2006/relationships" xmlns:p="http://schemas.openxmlformats.org/presentationml/2006/main">
   <p:cSld>
     <p:bg>
@@ -6893,7 +4055,7 @@
             <a:spLocks noGrp="1"/>
           </p:cNvSpPr>
           <p:nvPr>
-            <p:ph type="ctrTitle"/>
+            <p:ph type="title"/>
           </p:nvPr>
         </p:nvSpPr>
         <p:spPr/>
@@ -6901,18 +4063,25 @@
           <a:bodyPr/>
           <a:lstStyle/>
           <a:p>
-            <a:endParaRPr lang="en-US"/>
-          </a:p>
-        </p:txBody>
-      </p:sp>
-      <p:sp>
-        <p:nvSpPr>
-          <p:cNvPr id="3" name="Subtitle 2"/>
-          <p:cNvSpPr>
-            <a:spLocks noGrp="1"/>
-          </p:cNvSpPr>
-          <p:nvPr>
-            <p:ph type="subTitle" idx="1"/>
+            <a:r>
+              <a:rPr lang="en-US" dirty="0" smtClean="0"/>
+              <a:t>Greek and Latin Treebanks and Research</a:t>
+            </a:r>
+            <a:br>
+              <a:rPr lang="en-US" dirty="0" smtClean="0"/>
+            </a:br>
+            <a:endParaRPr lang="en-US" dirty="0"/>
+          </a:p>
+        </p:txBody>
+      </p:sp>
+      <p:sp>
+        <p:nvSpPr>
+          <p:cNvPr id="3" name="Text Placeholder 2"/>
+          <p:cNvSpPr>
+            <a:spLocks noGrp="1"/>
+          </p:cNvSpPr>
+          <p:nvPr>
+            <p:ph type="body" idx="1"/>
           </p:nvPr>
         </p:nvSpPr>
         <p:spPr/>
@@ -6920,119 +4089,38 @@
           <a:bodyPr/>
           <a:lstStyle/>
           <a:p>
-            <a:endParaRPr lang="en-US"/>
+            <a:r>
+              <a:rPr lang="en-US" dirty="0" smtClean="0"/>
+              <a:t>You are invited to attend the workshop:</a:t>
+            </a:r>
+          </a:p>
+          <a:p>
+            <a:r>
+              <a:rPr lang="en-US" dirty="0" smtClean="0"/>
+              <a:t>January 4-5, 2017</a:t>
+            </a:r>
+          </a:p>
+          <a:p>
+            <a:r>
+              <a:rPr lang="en-US" dirty="0" smtClean="0"/>
+              <a:t>The </a:t>
+            </a:r>
+            <a:r>
+              <a:rPr lang="en-US" smtClean="0"/>
+              <a:t>Westin Harbor </a:t>
+            </a:r>
+            <a:r>
+              <a:rPr lang="en-US" dirty="0" smtClean="0"/>
+              <a:t>Castle, Toronto</a:t>
+            </a:r>
+            <a:endParaRPr lang="en-US" dirty="0"/>
           </a:p>
         </p:txBody>
       </p:sp>
     </p:spTree>
     <p:extLst>
       <p:ext uri="{BB962C8B-B14F-4D97-AF65-F5344CB8AC3E}">
-        <p14:creationId xmlns:p14="http://schemas.microsoft.com/office/powerpoint/2010/main" val="138965464"/>
-      </p:ext>
-    </p:extLst>
-  </p:cSld>
-  <p:clrMapOvr>
-    <a:masterClrMapping/>
-  </p:clrMapOvr>
-</p:sld>
-</file>
-
-<file path=ppt/slides/slide10.xml><?xml version="1.0" encoding="utf-8"?>
-<p:sld xmlns:a="http://schemas.openxmlformats.org/drawingml/2006/main" xmlns:r="http://schemas.openxmlformats.org/officeDocument/2006/relationships" xmlns:p="http://schemas.openxmlformats.org/presentationml/2006/main">
-  <p:cSld>
-    <p:spTree>
-      <p:nvGrpSpPr>
-        <p:cNvPr id="1" name=""/>
-        <p:cNvGrpSpPr/>
-        <p:nvPr/>
-      </p:nvGrpSpPr>
-      <p:grpSpPr>
-        <a:xfrm>
-          <a:off x="0" y="0"/>
-          <a:ext cx="0" cy="0"/>
-          <a:chOff x="0" y="0"/>
-          <a:chExt cx="0" cy="0"/>
-        </a:xfrm>
-      </p:grpSpPr>
-      <p:sp>
-        <p:nvSpPr>
-          <p:cNvPr id="2" name="Title 1"/>
-          <p:cNvSpPr>
-            <a:spLocks noGrp="1"/>
-          </p:cNvSpPr>
-          <p:nvPr>
-            <p:ph type="title"/>
-          </p:nvPr>
-        </p:nvSpPr>
-        <p:spPr/>
-        <p:txBody>
-          <a:bodyPr/>
-          <a:lstStyle/>
-          <a:p>
-            <a:endParaRPr lang="en-US"/>
-          </a:p>
-        </p:txBody>
-      </p:sp>
-    </p:spTree>
-    <p:extLst>
-      <p:ext uri="{BB962C8B-B14F-4D97-AF65-F5344CB8AC3E}">
-        <p14:creationId xmlns:p14="http://schemas.microsoft.com/office/powerpoint/2010/main" val="132922610"/>
-      </p:ext>
-    </p:extLst>
-  </p:cSld>
-  <p:clrMapOvr>
-    <a:masterClrMapping/>
-  </p:clrMapOvr>
-  <p:timing>
-    <p:tnLst>
-      <p:par>
-        <p:cTn id="1" dur="indefinite" restart="never" nodeType="tmRoot"/>
-      </p:par>
-    </p:tnLst>
-  </p:timing>
-</p:sld>
-</file>
-
-<file path=ppt/slides/slide11.xml><?xml version="1.0" encoding="utf-8"?>
-<p:sld xmlns:a="http://schemas.openxmlformats.org/drawingml/2006/main" xmlns:r="http://schemas.openxmlformats.org/officeDocument/2006/relationships" xmlns:p="http://schemas.openxmlformats.org/presentationml/2006/main">
-  <p:cSld>
-    <p:spTree>
-      <p:nvGrpSpPr>
-        <p:cNvPr id="1" name=""/>
-        <p:cNvGrpSpPr/>
-        <p:nvPr/>
-      </p:nvGrpSpPr>
-      <p:grpSpPr>
-        <a:xfrm>
-          <a:off x="0" y="0"/>
-          <a:ext cx="0" cy="0"/>
-          <a:chOff x="0" y="0"/>
-          <a:chExt cx="0" cy="0"/>
-        </a:xfrm>
-      </p:grpSpPr>
-      <p:sp>
-        <p:nvSpPr>
-          <p:cNvPr id="2" name="Title 1"/>
-          <p:cNvSpPr>
-            <a:spLocks noGrp="1"/>
-          </p:cNvSpPr>
-          <p:nvPr>
-            <p:ph type="title"/>
-          </p:nvPr>
-        </p:nvSpPr>
-        <p:spPr/>
-        <p:txBody>
-          <a:bodyPr/>
-          <a:lstStyle/>
-          <a:p>
-            <a:endParaRPr lang="en-US"/>
-          </a:p>
-        </p:txBody>
-      </p:sp>
-    </p:spTree>
-    <p:extLst>
-      <p:ext uri="{BB962C8B-B14F-4D97-AF65-F5344CB8AC3E}">
-        <p14:creationId xmlns:p14="http://schemas.microsoft.com/office/powerpoint/2010/main" val="2943891626"/>
+        <p14:creationId xmlns:p14="http://schemas.microsoft.com/office/powerpoint/2010/main" val="3196974059"/>
       </p:ext>
     </p:extLst>
   </p:cSld>
@@ -7069,105 +4157,6 @@
             <p:ph type="title"/>
           </p:nvPr>
         </p:nvSpPr>
-        <p:spPr/>
-        <p:txBody>
-          <a:bodyPr/>
-          <a:lstStyle/>
-          <a:p>
-            <a:r>
-              <a:rPr lang="en-US" dirty="0" smtClean="0"/>
-              <a:t>Greek and Latin Treebanks and Research</a:t>
-            </a:r>
-            <a:br>
-              <a:rPr lang="en-US" dirty="0" smtClean="0"/>
-            </a:br>
-            <a:endParaRPr lang="en-US" dirty="0"/>
-          </a:p>
-        </p:txBody>
-      </p:sp>
-      <p:sp>
-        <p:nvSpPr>
-          <p:cNvPr id="3" name="Text Placeholder 2"/>
-          <p:cNvSpPr>
-            <a:spLocks noGrp="1"/>
-          </p:cNvSpPr>
-          <p:nvPr>
-            <p:ph type="body" idx="1"/>
-          </p:nvPr>
-        </p:nvSpPr>
-        <p:spPr/>
-        <p:txBody>
-          <a:bodyPr/>
-          <a:lstStyle/>
-          <a:p>
-            <a:r>
-              <a:rPr lang="en-US" dirty="0" smtClean="0"/>
-              <a:t>You are invited to attend the workshop:</a:t>
-            </a:r>
-          </a:p>
-          <a:p>
-            <a:r>
-              <a:rPr lang="en-US" dirty="0" smtClean="0"/>
-              <a:t>January 4-5, 2017</a:t>
-            </a:r>
-          </a:p>
-          <a:p>
-            <a:r>
-              <a:rPr lang="en-US" dirty="0" smtClean="0"/>
-              <a:t>The </a:t>
-            </a:r>
-            <a:r>
-              <a:rPr lang="en-US" smtClean="0"/>
-              <a:t>Westin Harbor </a:t>
-            </a:r>
-            <a:r>
-              <a:rPr lang="en-US" dirty="0" smtClean="0"/>
-              <a:t>Castle, Toronto</a:t>
-            </a:r>
-            <a:endParaRPr lang="en-US" dirty="0"/>
-          </a:p>
-        </p:txBody>
-      </p:sp>
-    </p:spTree>
-    <p:extLst>
-      <p:ext uri="{BB962C8B-B14F-4D97-AF65-F5344CB8AC3E}">
-        <p14:creationId xmlns:p14="http://schemas.microsoft.com/office/powerpoint/2010/main" val="3196974059"/>
-      </p:ext>
-    </p:extLst>
-  </p:cSld>
-  <p:clrMapOvr>
-    <a:masterClrMapping/>
-  </p:clrMapOvr>
-</p:sld>
-</file>
-
-<file path=ppt/slides/slide3.xml><?xml version="1.0" encoding="utf-8"?>
-<p:sld xmlns:a="http://schemas.openxmlformats.org/drawingml/2006/main" xmlns:r="http://schemas.openxmlformats.org/officeDocument/2006/relationships" xmlns:p="http://schemas.openxmlformats.org/presentationml/2006/main">
-  <p:cSld>
-    <p:spTree>
-      <p:nvGrpSpPr>
-        <p:cNvPr id="1" name=""/>
-        <p:cNvGrpSpPr/>
-        <p:nvPr/>
-      </p:nvGrpSpPr>
-      <p:grpSpPr>
-        <a:xfrm>
-          <a:off x="0" y="0"/>
-          <a:ext cx="0" cy="0"/>
-          <a:chOff x="0" y="0"/>
-          <a:chExt cx="0" cy="0"/>
-        </a:xfrm>
-      </p:grpSpPr>
-      <p:sp>
-        <p:nvSpPr>
-          <p:cNvPr id="2" name="Title 1"/>
-          <p:cNvSpPr>
-            <a:spLocks noGrp="1"/>
-          </p:cNvSpPr>
-          <p:nvPr>
-            <p:ph type="title"/>
-          </p:nvPr>
-        </p:nvSpPr>
         <p:spPr>
           <a:xfrm>
             <a:off x="637592" y="2845836"/>
@@ -7206,7 +4195,7 @@
 </p:sld>
 </file>
 
-<file path=ppt/slides/slide4.xml><?xml version="1.0" encoding="utf-8"?>
+<file path=ppt/slides/slide3.xml><?xml version="1.0" encoding="utf-8"?>
 <p:sld xmlns:a="http://schemas.openxmlformats.org/drawingml/2006/main" xmlns:r="http://schemas.openxmlformats.org/officeDocument/2006/relationships" xmlns:p="http://schemas.openxmlformats.org/presentationml/2006/main">
   <p:cSld>
     <p:spTree>
@@ -7304,7 +4293,7 @@
 </p:sld>
 </file>
 
-<file path=ppt/slides/slide5.xml><?xml version="1.0" encoding="utf-8"?>
+<file path=ppt/slides/slide4.xml><?xml version="1.0" encoding="utf-8"?>
 <p:sld xmlns:a="http://schemas.openxmlformats.org/drawingml/2006/main" xmlns:r="http://schemas.openxmlformats.org/officeDocument/2006/relationships" xmlns:p="http://schemas.openxmlformats.org/presentationml/2006/main">
   <p:cSld>
     <p:spTree>
@@ -7399,7 +4388,7 @@
 </p:sld>
 </file>
 
-<file path=ppt/slides/slide6.xml><?xml version="1.0" encoding="utf-8"?>
+<file path=ppt/slides/slide5.xml><?xml version="1.0" encoding="utf-8"?>
 <p:sld xmlns:a="http://schemas.openxmlformats.org/drawingml/2006/main" xmlns:r="http://schemas.openxmlformats.org/officeDocument/2006/relationships" xmlns:p="http://schemas.openxmlformats.org/presentationml/2006/main">
   <p:cSld>
     <p:spTree>
@@ -7459,7 +4448,7 @@
 </p:sld>
 </file>
 
-<file path=ppt/slides/slide7.xml><?xml version="1.0" encoding="utf-8"?>
+<file path=ppt/slides/slide6.xml><?xml version="1.0" encoding="utf-8"?>
 <p:sld xmlns:a="http://schemas.openxmlformats.org/drawingml/2006/main" xmlns:r="http://schemas.openxmlformats.org/officeDocument/2006/relationships" xmlns:p="http://schemas.openxmlformats.org/presentationml/2006/main">
   <p:cSld>
     <p:spTree>
@@ -7534,6 +4523,106 @@
 </p:sld>
 </file>
 
+<file path=ppt/slides/slide7.xml><?xml version="1.0" encoding="utf-8"?>
+<p:sld xmlns:a="http://schemas.openxmlformats.org/drawingml/2006/main" xmlns:r="http://schemas.openxmlformats.org/officeDocument/2006/relationships" xmlns:p="http://schemas.openxmlformats.org/presentationml/2006/main">
+  <p:cSld>
+    <p:spTree>
+      <p:nvGrpSpPr>
+        <p:cNvPr id="1" name=""/>
+        <p:cNvGrpSpPr/>
+        <p:nvPr/>
+      </p:nvGrpSpPr>
+      <p:grpSpPr>
+        <a:xfrm>
+          <a:off x="0" y="0"/>
+          <a:ext cx="0" cy="0"/>
+          <a:chOff x="0" y="0"/>
+          <a:chExt cx="0" cy="0"/>
+        </a:xfrm>
+      </p:grpSpPr>
+      <p:sp>
+        <p:nvSpPr>
+          <p:cNvPr id="2" name="Title 1"/>
+          <p:cNvSpPr>
+            <a:spLocks noGrp="1"/>
+          </p:cNvSpPr>
+          <p:nvPr>
+            <p:ph type="title"/>
+          </p:nvPr>
+        </p:nvSpPr>
+        <p:spPr/>
+        <p:txBody>
+          <a:bodyPr/>
+          <a:lstStyle/>
+          <a:p>
+            <a:r>
+              <a:rPr lang="en-US" dirty="0" smtClean="0"/>
+              <a:t>Supervised Classification</a:t>
+            </a:r>
+            <a:endParaRPr lang="en-US" dirty="0"/>
+          </a:p>
+        </p:txBody>
+      </p:sp>
+      <p:pic>
+        <p:nvPicPr>
+          <p:cNvPr id="3" name="Picture 2" descr="Screen Clipping"/>
+          <p:cNvPicPr>
+            <a:picLocks noChangeAspect="1"/>
+          </p:cNvPicPr>
+          <p:nvPr/>
+        </p:nvPicPr>
+        <p:blipFill>
+          <a:blip r:embed="rId2">
+            <a:clrChange>
+              <a:clrFrom>
+                <a:srgbClr val="B8B9B8"/>
+              </a:clrFrom>
+              <a:clrTo>
+                <a:srgbClr val="B8B9B8">
+                  <a:alpha val="0"/>
+                </a:srgbClr>
+              </a:clrTo>
+            </a:clrChange>
+            <a:extLst>
+              <a:ext uri="{28A0092B-C50C-407E-A947-70E740481C1C}">
+                <a14:useLocalDpi xmlns:a14="http://schemas.microsoft.com/office/drawing/2010/main" val="0"/>
+              </a:ext>
+            </a:extLst>
+          </a:blip>
+          <a:stretch>
+            <a:fillRect/>
+          </a:stretch>
+        </p:blipFill>
+        <p:spPr>
+          <a:xfrm>
+            <a:off x="2116212" y="2011535"/>
+            <a:ext cx="8202170" cy="4010585"/>
+          </a:xfrm>
+          <a:prstGeom prst="rect">
+            <a:avLst/>
+          </a:prstGeom>
+        </p:spPr>
+      </p:pic>
+    </p:spTree>
+    <p:extLst>
+      <p:ext uri="{BB962C8B-B14F-4D97-AF65-F5344CB8AC3E}">
+        <p14:creationId xmlns:p14="http://schemas.microsoft.com/office/powerpoint/2010/main" val="2375568457"/>
+      </p:ext>
+    </p:extLst>
+  </p:cSld>
+  <p:clrMapOvr>
+    <a:masterClrMapping/>
+  </p:clrMapOvr>
+  <p:timing>
+    <p:tnLst>
+      <p:par>
+        <p:cTn id="1" dur="indefinite" restart="never" nodeType="tmRoot"/>
+      </p:par>
+    </p:tnLst>
+  </p:timing>
+</p:sld>
+</file>
+
 <file path=ppt/slides/slide8.xml><?xml version="1.0" encoding="utf-8"?>
 <p:sld xmlns:a="http://schemas.openxmlformats.org/drawingml/2006/main" xmlns:r="http://schemas.openxmlformats.org/officeDocument/2006/relationships" xmlns:p="http://schemas.openxmlformats.org/presentationml/2006/main">
   <p:cSld>
@@ -7551,29 +4640,50 @@
           <a:chExt cx="0" cy="0"/>
         </a:xfrm>
       </p:grpSpPr>
-      <p:sp>
-        <p:nvSpPr>
-          <p:cNvPr id="2" name="Title 1"/>
-          <p:cNvSpPr>
-            <a:spLocks noGrp="1"/>
-          </p:cNvSpPr>
-          <p:nvPr>
-            <p:ph type="title"/>
-          </p:nvPr>
-        </p:nvSpPr>
-        <p:spPr/>
-        <p:txBody>
-          <a:bodyPr/>
-          <a:lstStyle/>
-          <a:p>
-            <a:endParaRPr lang="en-US"/>
-          </a:p>
-        </p:txBody>
-      </p:sp>
+      <p:pic>
+        <p:nvPicPr>
+          <p:cNvPr id="3" name="Picture 2" descr="Screen Clipping"/>
+          <p:cNvPicPr>
+            <a:picLocks noChangeAspect="1"/>
+          </p:cNvPicPr>
+          <p:nvPr/>
+        </p:nvPicPr>
+        <p:blipFill>
+          <a:blip r:embed="rId2">
+            <a:clrChange>
+              <a:clrFrom>
+                <a:srgbClr val="FFFFFF"/>
+              </a:clrFrom>
+              <a:clrTo>
+                <a:srgbClr val="FFFFFF">
+                  <a:alpha val="0"/>
+                </a:srgbClr>
+              </a:clrTo>
+            </a:clrChange>
+            <a:extLst>
+              <a:ext uri="{28A0092B-C50C-407E-A947-70E740481C1C}">
+                <a14:useLocalDpi xmlns:a14="http://schemas.microsoft.com/office/drawing/2010/main" val="0"/>
+              </a:ext>
+            </a:extLst>
+          </a:blip>
+          <a:stretch>
+            <a:fillRect/>
+          </a:stretch>
+        </p:blipFill>
+        <p:spPr>
+          <a:xfrm>
+            <a:off x="153458" y="2150450"/>
+            <a:ext cx="11635374" cy="2701469"/>
+          </a:xfrm>
+          <a:prstGeom prst="rect">
+            <a:avLst/>
+          </a:prstGeom>
+        </p:spPr>
+      </p:pic>
     </p:spTree>
     <p:extLst>
       <p:ext uri="{BB962C8B-B14F-4D97-AF65-F5344CB8AC3E}">
-        <p14:creationId xmlns:p14="http://schemas.microsoft.com/office/powerpoint/2010/main" val="1829267253"/>
+        <p14:creationId xmlns:p14="http://schemas.microsoft.com/office/powerpoint/2010/main" val="132922610"/>
       </p:ext>
     </p:extLst>
   </p:cSld>
@@ -7607,307 +4717,60 @@
           <a:chExt cx="0" cy="0"/>
         </a:xfrm>
       </p:grpSpPr>
-      <p:sp>
-        <p:nvSpPr>
-          <p:cNvPr id="2" name="Title 1"/>
-          <p:cNvSpPr>
-            <a:spLocks noGrp="1"/>
-          </p:cNvSpPr>
-          <p:nvPr>
-            <p:ph type="title"/>
-          </p:nvPr>
-        </p:nvSpPr>
-        <p:spPr/>
-        <p:txBody>
-          <a:bodyPr/>
-          <a:lstStyle/>
-          <a:p>
-            <a:endParaRPr lang="en-US"/>
-          </a:p>
-        </p:txBody>
-      </p:sp>
+      <p:pic>
+        <p:nvPicPr>
+          <p:cNvPr id="3" name="Picture 2" descr="Screen Clipping"/>
+          <p:cNvPicPr>
+            <a:picLocks noChangeAspect="1"/>
+          </p:cNvPicPr>
+          <p:nvPr/>
+        </p:nvPicPr>
+        <p:blipFill>
+          <a:blip r:embed="rId2">
+            <a:clrChange>
+              <a:clrFrom>
+                <a:srgbClr val="FFFFFF"/>
+              </a:clrFrom>
+              <a:clrTo>
+                <a:srgbClr val="FFFFFF">
+                  <a:alpha val="0"/>
+                </a:srgbClr>
+              </a:clrTo>
+            </a:clrChange>
+            <a:extLst>
+              <a:ext uri="{28A0092B-C50C-407E-A947-70E740481C1C}">
+                <a14:useLocalDpi xmlns:a14="http://schemas.microsoft.com/office/drawing/2010/main" val="0"/>
+              </a:ext>
+            </a:extLst>
+          </a:blip>
+          <a:stretch>
+            <a:fillRect/>
+          </a:stretch>
+        </p:blipFill>
+        <p:spPr>
+          <a:xfrm>
+            <a:off x="213491" y="1895261"/>
+            <a:ext cx="11765017" cy="3067478"/>
+          </a:xfrm>
+          <a:prstGeom prst="rect">
+            <a:avLst/>
+          </a:prstGeom>
+        </p:spPr>
+      </p:pic>
     </p:spTree>
     <p:extLst>
       <p:ext uri="{BB962C8B-B14F-4D97-AF65-F5344CB8AC3E}">
-        <p14:creationId xmlns:p14="http://schemas.microsoft.com/office/powerpoint/2010/main" val="2375568457"/>
+        <p14:creationId xmlns:p14="http://schemas.microsoft.com/office/powerpoint/2010/main" val="2943891626"/>
       </p:ext>
     </p:extLst>
   </p:cSld>
   <p:clrMapOvr>
     <a:masterClrMapping/>
   </p:clrMapOvr>
-  <p:timing>
-    <p:tnLst>
-      <p:par>
-        <p:cTn id="1" dur="indefinite" restart="never" nodeType="tmRoot"/>
-      </p:par>
-    </p:tnLst>
-  </p:timing>
 </p:sld>
 </file>
 
 <file path=ppt/theme/theme1.xml><?xml version="1.0" encoding="utf-8"?>
-<a:theme xmlns:a="http://schemas.openxmlformats.org/drawingml/2006/main" name="Office Theme">
-  <a:themeElements>
-    <a:clrScheme name="Office">
-      <a:dk1>
-        <a:sysClr val="windowText" lastClr="000000"/>
-      </a:dk1>
-      <a:lt1>
-        <a:sysClr val="window" lastClr="FFFFFF"/>
-      </a:lt1>
-      <a:dk2>
-        <a:srgbClr val="44546A"/>
-      </a:dk2>
-      <a:lt2>
-        <a:srgbClr val="E7E6E6"/>
-      </a:lt2>
-      <a:accent1>
-        <a:srgbClr val="5B9BD5"/>
-      </a:accent1>
-      <a:accent2>
-        <a:srgbClr val="ED7D31"/>
-      </a:accent2>
-      <a:accent3>
-        <a:srgbClr val="A5A5A5"/>
-      </a:accent3>
-      <a:accent4>
-        <a:srgbClr val="FFC000"/>
-      </a:accent4>
-      <a:accent5>
-        <a:srgbClr val="4472C4"/>
-      </a:accent5>
-      <a:accent6>
-        <a:srgbClr val="70AD47"/>
-      </a:accent6>
-      <a:hlink>
-        <a:srgbClr val="0563C1"/>
-      </a:hlink>
-      <a:folHlink>
-        <a:srgbClr val="954F72"/>
-      </a:folHlink>
-    </a:clrScheme>
-    <a:fontScheme name="Office">
-      <a:majorFont>
-        <a:latin typeface="Calibri Light" panose="020F0302020204030204"/>
-        <a:ea typeface=""/>
-        <a:cs typeface=""/>
-        <a:font script="Jpan" typeface="ＭＳ Ｐゴシック"/>
-        <a:font script="Hang" typeface="맑은 고딕"/>
-        <a:font script="Hans" typeface="宋体"/>
-        <a:font script="Hant" typeface="新細明體"/>
-        <a:font script="Arab" typeface="Times New Roman"/>
-        <a:font script="Hebr" typeface="Times New Roman"/>
-        <a:font script="Thai" typeface="Angsana New"/>
-        <a:font script="Ethi" typeface="Nyala"/>
-        <a:font script="Beng" typeface="Vrinda"/>
-        <a:font script="Gujr" typeface="Shruti"/>
-        <a:font script="Khmr" typeface="MoolBoran"/>
-        <a:font script="Knda" typeface="Tunga"/>
-        <a:font script="Guru" typeface="Raavi"/>
-        <a:font script="Cans" typeface="Euphemia"/>
-        <a:font script="Cher" typeface="Plantagenet Cherokee"/>
-        <a:font script="Yiii" typeface="Microsoft Yi Baiti"/>
-        <a:font script="Tibt" typeface="Microsoft Himalaya"/>
-        <a:font script="Thaa" typeface="MV Boli"/>
-        <a:font script="Deva" typeface="Mangal"/>
-        <a:font script="Telu" typeface="Gautami"/>
-        <a:font script="Taml" typeface="Latha"/>
-        <a:font script="Syrc" typeface="Estrangelo Edessa"/>
-        <a:font script="Orya" typeface="Kalinga"/>
-        <a:font script="Mlym" typeface="Kartika"/>
-        <a:font script="Laoo" typeface="DokChampa"/>
-        <a:font script="Sinh" typeface="Iskoola Pota"/>
-        <a:font script="Mong" typeface="Mongolian Baiti"/>
-        <a:font script="Viet" typeface="Times New Roman"/>
-        <a:font script="Uigh" typeface="Microsoft Uighur"/>
-        <a:font script="Geor" typeface="Sylfaen"/>
-      </a:majorFont>
-      <a:minorFont>
-        <a:latin typeface="Calibri" panose="020F0502020204030204"/>
-        <a:ea typeface=""/>
-        <a:cs typeface=""/>
-        <a:font script="Jpan" typeface="ＭＳ Ｐゴシック"/>
-        <a:font script="Hang" typeface="맑은 고딕"/>
-        <a:font script="Hans" typeface="宋体"/>
-        <a:font script="Hant" typeface="新細明體"/>
-        <a:font script="Arab" typeface="Arial"/>
-        <a:font script="Hebr" typeface="Arial"/>
-        <a:font script="Thai" typeface="Cordia New"/>
-        <a:font script="Ethi" typeface="Nyala"/>
-        <a:font script="Beng" typeface="Vrinda"/>
-        <a:font script="Gujr" typeface="Shruti"/>
-        <a:font script="Khmr" typeface="DaunPenh"/>
-        <a:font script="Knda" typeface="Tunga"/>
-        <a:font script="Guru" typeface="Raavi"/>
-        <a:font script="Cans" typeface="Euphemia"/>
-        <a:font script="Cher" typeface="Plantagenet Cherokee"/>
-        <a:font script="Yiii" typeface="Microsoft Yi Baiti"/>
-        <a:font script="Tibt" typeface="Microsoft Himalaya"/>
-        <a:font script="Thaa" typeface="MV Boli"/>
-        <a:font script="Deva" typeface="Mangal"/>
-        <a:font script="Telu" typeface="Gautami"/>
-        <a:font script="Taml" typeface="Latha"/>
-        <a:font script="Syrc" typeface="Estrangelo Edessa"/>
-        <a:font script="Orya" typeface="Kalinga"/>
-        <a:font script="Mlym" typeface="Kartika"/>
-        <a:font script="Laoo" typeface="DokChampa"/>
-        <a:font script="Sinh" typeface="Iskoola Pota"/>
-        <a:font script="Mong" typeface="Mongolian Baiti"/>
-        <a:font script="Viet" typeface="Arial"/>
-        <a:font script="Uigh" typeface="Microsoft Uighur"/>
-        <a:font script="Geor" typeface="Sylfaen"/>
-      </a:minorFont>
-    </a:fontScheme>
-    <a:fmtScheme name="Office">
-      <a:fillStyleLst>
-        <a:solidFill>
-          <a:schemeClr val="phClr"/>
-        </a:solidFill>
-        <a:gradFill rotWithShape="1">
-          <a:gsLst>
-            <a:gs pos="0">
-              <a:schemeClr val="phClr">
-                <a:lumMod val="110000"/>
-                <a:satMod val="105000"/>
-                <a:tint val="67000"/>
-              </a:schemeClr>
-            </a:gs>
-            <a:gs pos="50000">
-              <a:schemeClr val="phClr">
-                <a:lumMod val="105000"/>
-                <a:satMod val="103000"/>
-                <a:tint val="73000"/>
-              </a:schemeClr>
-            </a:gs>
-            <a:gs pos="100000">
-              <a:schemeClr val="phClr">
-                <a:lumMod val="105000"/>
-                <a:satMod val="109000"/>
-                <a:tint val="81000"/>
-              </a:schemeClr>
-            </a:gs>
-          </a:gsLst>
-          <a:lin ang="5400000" scaled="0"/>
-        </a:gradFill>
-        <a:gradFill rotWithShape="1">
-          <a:gsLst>
-            <a:gs pos="0">
-              <a:schemeClr val="phClr">
-                <a:satMod val="103000"/>
-                <a:lumMod val="102000"/>
-                <a:tint val="94000"/>
-              </a:schemeClr>
-            </a:gs>
-            <a:gs pos="50000">
-              <a:schemeClr val="phClr">
-                <a:satMod val="110000"/>
-                <a:lumMod val="100000"/>
-                <a:shade val="100000"/>
-              </a:schemeClr>
-            </a:gs>
-            <a:gs pos="100000">
-              <a:schemeClr val="phClr">
-                <a:lumMod val="99000"/>
-                <a:satMod val="120000"/>
-                <a:shade val="78000"/>
-              </a:schemeClr>
-            </a:gs>
-          </a:gsLst>
-          <a:lin ang="5400000" scaled="0"/>
-        </a:gradFill>
-      </a:fillStyleLst>
-      <a:lnStyleLst>
-        <a:ln w="6350" cap="flat" cmpd="sng" algn="ctr">
-          <a:solidFill>
-            <a:schemeClr val="phClr"/>
-          </a:solidFill>
-          <a:prstDash val="solid"/>
-          <a:miter lim="800000"/>
-        </a:ln>
-        <a:ln w="12700" cap="flat" cmpd="sng" algn="ctr">
-          <a:solidFill>
-            <a:schemeClr val="phClr"/>
-          </a:solidFill>
-          <a:prstDash val="solid"/>
-          <a:miter lim="800000"/>
-        </a:ln>
-        <a:ln w="19050" cap="flat" cmpd="sng" algn="ctr">
-          <a:solidFill>
-            <a:schemeClr val="phClr"/>
-          </a:solidFill>
-          <a:prstDash val="solid"/>
-          <a:miter lim="800000"/>
-        </a:ln>
-      </a:lnStyleLst>
-      <a:effectStyleLst>
-        <a:effectStyle>
-          <a:effectLst/>
-        </a:effectStyle>
-        <a:effectStyle>
-          <a:effectLst/>
-        </a:effectStyle>
-        <a:effectStyle>
-          <a:effectLst>
-            <a:outerShdw blurRad="57150" dist="19050" dir="5400000" algn="ctr" rotWithShape="0">
-              <a:srgbClr val="000000">
-                <a:alpha val="63000"/>
-              </a:srgbClr>
-            </a:outerShdw>
-          </a:effectLst>
-        </a:effectStyle>
-      </a:effectStyleLst>
-      <a:bgFillStyleLst>
-        <a:solidFill>
-          <a:schemeClr val="phClr"/>
-        </a:solidFill>
-        <a:solidFill>
-          <a:schemeClr val="phClr">
-            <a:tint val="95000"/>
-            <a:satMod val="170000"/>
-          </a:schemeClr>
-        </a:solidFill>
-        <a:gradFill rotWithShape="1">
-          <a:gsLst>
-            <a:gs pos="0">
-              <a:schemeClr val="phClr">
-                <a:tint val="93000"/>
-                <a:satMod val="150000"/>
-                <a:shade val="98000"/>
-                <a:lumMod val="102000"/>
-              </a:schemeClr>
-            </a:gs>
-            <a:gs pos="50000">
-              <a:schemeClr val="phClr">
-                <a:tint val="98000"/>
-                <a:satMod val="130000"/>
-                <a:shade val="90000"/>
-                <a:lumMod val="103000"/>
-              </a:schemeClr>
-            </a:gs>
-            <a:gs pos="100000">
-              <a:schemeClr val="phClr">
-                <a:shade val="63000"/>
-                <a:satMod val="120000"/>
-              </a:schemeClr>
-            </a:gs>
-          </a:gsLst>
-          <a:lin ang="5400000" scaled="0"/>
-        </a:gradFill>
-      </a:bgFillStyleLst>
-    </a:fmtScheme>
-  </a:themeElements>
-  <a:objectDefaults/>
-  <a:extraClrSchemeLst/>
-  <a:extLst>
-    <a:ext uri="{05A4C25C-085E-4340-85A3-A5531E510DB2}">
-      <thm15:themeFamily xmlns:thm15="http://schemas.microsoft.com/office/thememl/2012/main" name="Office Theme" id="{62F939B6-93AF-4DB8-9C6B-D6C7DFDC589F}" vid="{4A3C46E8-61CC-4603-A589-7422A47A8E4A}"/>
-    </a:ext>
-  </a:extLst>
-</a:theme>
-</file>
-
-<file path=ppt/theme/theme2.xml><?xml version="1.0" encoding="utf-8"?>
 <a:theme xmlns:a="http://schemas.openxmlformats.org/drawingml/2006/main" name="Executive">
   <a:themeElements>
     <a:clrScheme name="Executive">
